--- a/Lung Comparison Image Processing.pptx
+++ b/Lung Comparison Image Processing.pptx
@@ -9,6 +9,8 @@
     <p:sldId id="257" r:id="rId3"/>
     <p:sldId id="259" r:id="rId4"/>
     <p:sldId id="258" r:id="rId5"/>
+    <p:sldId id="260" r:id="rId6"/>
+    <p:sldId id="261" r:id="rId7"/>
   </p:sldIdLst>
   <p:sldSz cx="12192000" cy="6858000"/>
   <p:notesSz cx="6858000" cy="9144000"/>
@@ -3007,10 +3009,16 @@
           <a:lstStyle/>
           <a:p>
             <a:r>
-              <a:rPr lang="en-US" dirty="0"/>
+              <a:rPr lang="en-US" dirty="0">
+                <a:latin typeface="Baskerville Old Face" panose="02020602080505020303" pitchFamily="18" charset="0"/>
+                <a:cs typeface="Aharoni" panose="02010803020104030203" pitchFamily="2" charset="-79"/>
+              </a:rPr>
               <a:t>Lung Comparison Image Processing</a:t>
             </a:r>
-            <a:endParaRPr lang="id-ID" dirty="0"/>
+            <a:endParaRPr lang="id-ID" dirty="0">
+              <a:latin typeface="Baskerville Old Face" panose="02020602080505020303" pitchFamily="18" charset="0"/>
+              <a:cs typeface="Aharoni" panose="02010803020104030203" pitchFamily="2" charset="-79"/>
+            </a:endParaRPr>
           </a:p>
         </p:txBody>
       </p:sp>
@@ -3032,28 +3040,40 @@
           <a:lstStyle/>
           <a:p>
             <a:r>
-              <a:rPr lang="en-US" sz="3600" dirty="0" err="1"/>
+              <a:rPr lang="en-US" sz="3600" dirty="0" err="1">
+                <a:latin typeface="Baskerville Old Face" panose="02020602080505020303" pitchFamily="18" charset="0"/>
+              </a:rPr>
               <a:t>Abianto</a:t>
             </a:r>
             <a:r>
-              <a:rPr lang="en-US" sz="3600" dirty="0"/>
-              <a:t> </a:t>
-            </a:r>
-            <a:r>
-              <a:rPr lang="en-US" sz="3600" dirty="0" err="1"/>
+              <a:rPr lang="en-US" sz="3600" dirty="0">
+                <a:latin typeface="Baskerville Old Face" panose="02020602080505020303" pitchFamily="18" charset="0"/>
+              </a:rPr>
+              <a:t> </a:t>
+            </a:r>
+            <a:r>
+              <a:rPr lang="en-US" sz="3600" dirty="0" err="1">
+                <a:latin typeface="Baskerville Old Face" panose="02020602080505020303" pitchFamily="18" charset="0"/>
+              </a:rPr>
               <a:t>Wibisono</a:t>
             </a:r>
             <a:r>
-              <a:rPr lang="en-US" sz="3600" dirty="0"/>
+              <a:rPr lang="en-US" sz="3600" dirty="0">
+                <a:latin typeface="Baskerville Old Face" panose="02020602080505020303" pitchFamily="18" charset="0"/>
+              </a:rPr>
               <a:t> (00000007344)</a:t>
             </a:r>
           </a:p>
           <a:p>
             <a:r>
-              <a:rPr lang="en-US" sz="3600" dirty="0"/>
+              <a:rPr lang="en-US" sz="3600" dirty="0">
+                <a:latin typeface="Baskerville Old Face" panose="02020602080505020303" pitchFamily="18" charset="0"/>
+              </a:rPr>
               <a:t>Sherwin (00000006001)</a:t>
             </a:r>
-            <a:endParaRPr lang="id-ID" sz="3600" dirty="0"/>
+            <a:endParaRPr lang="id-ID" sz="3600" dirty="0">
+              <a:latin typeface="Baskerville Old Face" panose="02020602080505020303" pitchFamily="18" charset="0"/>
+            </a:endParaRPr>
           </a:p>
         </p:txBody>
       </p:sp>
@@ -3123,26 +3143,38 @@
           <a:p>
             <a:pPr algn="ctr"/>
             <a:r>
-              <a:rPr lang="en-US" dirty="0" err="1"/>
+              <a:rPr lang="en-US" dirty="0" err="1">
+                <a:latin typeface="Baskerville Old Face" panose="02020602080505020303" pitchFamily="18" charset="0"/>
+              </a:rPr>
               <a:t>Latar</a:t>
             </a:r>
             <a:r>
-              <a:rPr lang="en-US" dirty="0"/>
-              <a:t> </a:t>
-            </a:r>
-            <a:r>
-              <a:rPr lang="en-US" dirty="0" err="1"/>
+              <a:rPr lang="en-US" dirty="0">
+                <a:latin typeface="Baskerville Old Face" panose="02020602080505020303" pitchFamily="18" charset="0"/>
+              </a:rPr>
+              <a:t> </a:t>
+            </a:r>
+            <a:r>
+              <a:rPr lang="en-US" dirty="0" err="1">
+                <a:latin typeface="Baskerville Old Face" panose="02020602080505020303" pitchFamily="18" charset="0"/>
+              </a:rPr>
               <a:t>Belakang</a:t>
             </a:r>
             <a:r>
-              <a:rPr lang="en-US" dirty="0"/>
-              <a:t> </a:t>
-            </a:r>
-            <a:r>
-              <a:rPr lang="en-US" dirty="0" err="1"/>
+              <a:rPr lang="en-US" dirty="0">
+                <a:latin typeface="Baskerville Old Face" panose="02020602080505020303" pitchFamily="18" charset="0"/>
+              </a:rPr>
+              <a:t> </a:t>
+            </a:r>
+            <a:r>
+              <a:rPr lang="en-US" dirty="0" err="1">
+                <a:latin typeface="Baskerville Old Face" panose="02020602080505020303" pitchFamily="18" charset="0"/>
+              </a:rPr>
               <a:t>Masalah</a:t>
             </a:r>
-            <a:endParaRPr lang="id-ID" dirty="0"/>
+            <a:endParaRPr lang="id-ID" dirty="0">
+              <a:latin typeface="Baskerville Old Face" panose="02020602080505020303" pitchFamily="18" charset="0"/>
+            </a:endParaRPr>
           </a:p>
         </p:txBody>
       </p:sp>
@@ -3169,75 +3201,111 @@
           <a:lstStyle/>
           <a:p>
             <a:r>
-              <a:rPr lang="id-ID" dirty="0"/>
+              <a:rPr lang="id-ID" dirty="0">
+                <a:latin typeface="Baskerville Old Face" panose="02020602080505020303" pitchFamily="18" charset="0"/>
+              </a:rPr>
               <a:t>Pada masa sekarang, Digital Image Processing atau biasa disebut dengan pengolahan citra digital sudah banyak diterapkan di berbagai aspek dalam bidang ilmu computer</a:t>
             </a:r>
             <a:r>
-              <a:rPr lang="en-US" dirty="0"/>
+              <a:rPr lang="en-US" dirty="0">
+                <a:latin typeface="Baskerville Old Face" panose="02020602080505020303" pitchFamily="18" charset="0"/>
+              </a:rPr>
               <a:t> sera </a:t>
             </a:r>
             <a:r>
-              <a:rPr lang="en-US" dirty="0" err="1"/>
+              <a:rPr lang="en-US" dirty="0" err="1">
+                <a:latin typeface="Baskerville Old Face" panose="02020602080505020303" pitchFamily="18" charset="0"/>
+              </a:rPr>
               <a:t>ilmu</a:t>
             </a:r>
             <a:r>
-              <a:rPr lang="en-US" dirty="0"/>
-              <a:t> </a:t>
-            </a:r>
-            <a:r>
-              <a:rPr lang="en-US" dirty="0" err="1"/>
+              <a:rPr lang="en-US" dirty="0">
+                <a:latin typeface="Baskerville Old Face" panose="02020602080505020303" pitchFamily="18" charset="0"/>
+              </a:rPr>
+              <a:t> </a:t>
+            </a:r>
+            <a:r>
+              <a:rPr lang="en-US" dirty="0" err="1">
+                <a:latin typeface="Baskerville Old Face" panose="02020602080505020303" pitchFamily="18" charset="0"/>
+              </a:rPr>
               <a:t>medis</a:t>
             </a:r>
             <a:r>
-              <a:rPr lang="id-ID" dirty="0"/>
+              <a:rPr lang="id-ID" dirty="0">
+                <a:latin typeface="Baskerville Old Face" panose="02020602080505020303" pitchFamily="18" charset="0"/>
+              </a:rPr>
               <a:t>. Citra sendiri merupakan representasi dari suatu objek yang dapat diabadikan dengan menggunakan berbagai media, </a:t>
             </a:r>
             <a:r>
-              <a:rPr lang="en-US" dirty="0" err="1"/>
+              <a:rPr lang="en-US" dirty="0" err="1">
+                <a:latin typeface="Baskerville Old Face" panose="02020602080505020303" pitchFamily="18" charset="0"/>
+              </a:rPr>
               <a:t>beberapa</a:t>
             </a:r>
             <a:r>
-              <a:rPr lang="en-US" dirty="0"/>
-              <a:t> </a:t>
-            </a:r>
-            <a:r>
-              <a:rPr lang="id-ID" dirty="0"/>
+              <a:rPr lang="en-US" dirty="0">
+                <a:latin typeface="Baskerville Old Face" panose="02020602080505020303" pitchFamily="18" charset="0"/>
+              </a:rPr>
+              <a:t> </a:t>
+            </a:r>
+            <a:r>
+              <a:rPr lang="id-ID" dirty="0">
+                <a:latin typeface="Baskerville Old Face" panose="02020602080505020303" pitchFamily="18" charset="0"/>
+              </a:rPr>
               <a:t>dengan menggunakan kamera</a:t>
             </a:r>
             <a:r>
-              <a:rPr lang="en-US" dirty="0"/>
-              <a:t> </a:t>
-            </a:r>
-            <a:r>
-              <a:rPr lang="en-US" dirty="0" err="1"/>
+              <a:rPr lang="en-US" dirty="0">
+                <a:latin typeface="Baskerville Old Face" panose="02020602080505020303" pitchFamily="18" charset="0"/>
+              </a:rPr>
+              <a:t> </a:t>
+            </a:r>
+            <a:r>
+              <a:rPr lang="en-US" dirty="0" err="1">
+                <a:latin typeface="Baskerville Old Face" panose="02020602080505020303" pitchFamily="18" charset="0"/>
+              </a:rPr>
               <a:t>dan</a:t>
             </a:r>
             <a:r>
-              <a:rPr lang="en-US" dirty="0"/>
+              <a:rPr lang="en-US" dirty="0">
+                <a:latin typeface="Baskerville Old Face" panose="02020602080505020303" pitchFamily="18" charset="0"/>
+              </a:rPr>
               <a:t> CT - scan</a:t>
             </a:r>
             <a:r>
-              <a:rPr lang="id-ID" dirty="0"/>
+              <a:rPr lang="id-ID" dirty="0">
+                <a:latin typeface="Baskerville Old Face" panose="02020602080505020303" pitchFamily="18" charset="0"/>
+              </a:rPr>
               <a:t>. Dalam pengolah citra digital, ada banyak hal yang dapat dilakukan pada sebuah citra, misalnya :</a:t>
             </a:r>
             <a:r>
-              <a:rPr lang="en-US" dirty="0"/>
+              <a:rPr lang="en-US" dirty="0">
+                <a:latin typeface="Baskerville Old Face" panose="02020602080505020303" pitchFamily="18" charset="0"/>
+              </a:rPr>
               <a:t> slicing, erosion, blur, dilation,</a:t>
             </a:r>
             <a:r>
-              <a:rPr lang="id-ID" dirty="0"/>
+              <a:rPr lang="id-ID" dirty="0">
+                <a:latin typeface="Baskerville Old Face" panose="02020602080505020303" pitchFamily="18" charset="0"/>
+              </a:rPr>
               <a:t> brightness editing, contrass stretching, rotating, grayscalling, color manipulation dan lain</a:t>
             </a:r>
             <a:r>
-              <a:rPr lang="en-US" dirty="0"/>
-              <a:t> </a:t>
-            </a:r>
-            <a:r>
-              <a:rPr lang="en-US" dirty="0" err="1"/>
+              <a:rPr lang="en-US" dirty="0">
+                <a:latin typeface="Baskerville Old Face" panose="02020602080505020303" pitchFamily="18" charset="0"/>
+              </a:rPr>
+              <a:t> </a:t>
+            </a:r>
+            <a:r>
+              <a:rPr lang="en-US" dirty="0" err="1">
+                <a:latin typeface="Baskerville Old Face" panose="02020602080505020303" pitchFamily="18" charset="0"/>
+              </a:rPr>
               <a:t>sebagainya</a:t>
             </a:r>
             <a:r>
-              <a:rPr lang="en-US" dirty="0"/>
+              <a:rPr lang="en-US" dirty="0">
+                <a:latin typeface="Baskerville Old Face" panose="02020602080505020303" pitchFamily="18" charset="0"/>
+              </a:rPr>
               <a:t>.</a:t>
             </a:r>
           </a:p>
@@ -3308,316 +3376,472 @@
           <a:lstStyle/>
           <a:p>
             <a:r>
-              <a:rPr lang="en-US" dirty="0" err="1"/>
+              <a:rPr lang="en-US" dirty="0" err="1">
+                <a:latin typeface="Baskerville Old Face" panose="02020602080505020303" pitchFamily="18" charset="0"/>
+              </a:rPr>
               <a:t>Perkembangan</a:t>
             </a:r>
             <a:r>
-              <a:rPr lang="en-US" dirty="0"/>
-              <a:t> </a:t>
-            </a:r>
-            <a:r>
-              <a:rPr lang="en-US" dirty="0" err="1"/>
+              <a:rPr lang="en-US" dirty="0">
+                <a:latin typeface="Baskerville Old Face" panose="02020602080505020303" pitchFamily="18" charset="0"/>
+              </a:rPr>
+              <a:t> </a:t>
+            </a:r>
+            <a:r>
+              <a:rPr lang="en-US" dirty="0" err="1">
+                <a:latin typeface="Baskerville Old Face" panose="02020602080505020303" pitchFamily="18" charset="0"/>
+              </a:rPr>
               <a:t>teknologi</a:t>
             </a:r>
             <a:r>
-              <a:rPr lang="en-US" dirty="0"/>
-              <a:t> </a:t>
-            </a:r>
-            <a:r>
-              <a:rPr lang="en-US" dirty="0" err="1"/>
+              <a:rPr lang="en-US" dirty="0">
+                <a:latin typeface="Baskerville Old Face" panose="02020602080505020303" pitchFamily="18" charset="0"/>
+              </a:rPr>
+              <a:t> </a:t>
+            </a:r>
+            <a:r>
+              <a:rPr lang="en-US" dirty="0" err="1">
+                <a:latin typeface="Baskerville Old Face" panose="02020602080505020303" pitchFamily="18" charset="0"/>
+              </a:rPr>
               <a:t>saat</a:t>
             </a:r>
             <a:r>
-              <a:rPr lang="en-US" dirty="0"/>
-              <a:t> </a:t>
-            </a:r>
-            <a:r>
-              <a:rPr lang="en-US" dirty="0" err="1"/>
+              <a:rPr lang="en-US" dirty="0">
+                <a:latin typeface="Baskerville Old Face" panose="02020602080505020303" pitchFamily="18" charset="0"/>
+              </a:rPr>
+              <a:t> </a:t>
+            </a:r>
+            <a:r>
+              <a:rPr lang="en-US" dirty="0" err="1">
+                <a:latin typeface="Baskerville Old Face" panose="02020602080505020303" pitchFamily="18" charset="0"/>
+              </a:rPr>
               <a:t>ini</a:t>
             </a:r>
             <a:r>
-              <a:rPr lang="en-US" dirty="0"/>
-              <a:t> </a:t>
-            </a:r>
-            <a:r>
-              <a:rPr lang="en-US" dirty="0" err="1"/>
+              <a:rPr lang="en-US" dirty="0">
+                <a:latin typeface="Baskerville Old Face" panose="02020602080505020303" pitchFamily="18" charset="0"/>
+              </a:rPr>
+              <a:t> </a:t>
+            </a:r>
+            <a:r>
+              <a:rPr lang="en-US" dirty="0" err="1">
+                <a:latin typeface="Baskerville Old Face" panose="02020602080505020303" pitchFamily="18" charset="0"/>
+              </a:rPr>
               <a:t>membuat</a:t>
             </a:r>
             <a:r>
-              <a:rPr lang="en-US" dirty="0"/>
-              <a:t> </a:t>
-            </a:r>
-            <a:r>
-              <a:rPr lang="en-US" dirty="0" err="1"/>
+              <a:rPr lang="en-US" dirty="0">
+                <a:latin typeface="Baskerville Old Face" panose="02020602080505020303" pitchFamily="18" charset="0"/>
+              </a:rPr>
+              <a:t> </a:t>
+            </a:r>
+            <a:r>
+              <a:rPr lang="en-US" dirty="0" err="1">
+                <a:latin typeface="Baskerville Old Face" panose="02020602080505020303" pitchFamily="18" charset="0"/>
+              </a:rPr>
               <a:t>perubahan</a:t>
             </a:r>
             <a:r>
-              <a:rPr lang="en-US" dirty="0"/>
+              <a:rPr lang="en-US" dirty="0">
+                <a:latin typeface="Baskerville Old Face" panose="02020602080505020303" pitchFamily="18" charset="0"/>
+              </a:rPr>
               <a:t> yang </a:t>
             </a:r>
             <a:r>
-              <a:rPr lang="en-US" dirty="0" err="1"/>
+              <a:rPr lang="en-US" dirty="0" err="1">
+                <a:latin typeface="Baskerville Old Face" panose="02020602080505020303" pitchFamily="18" charset="0"/>
+              </a:rPr>
               <a:t>besar</a:t>
             </a:r>
             <a:r>
-              <a:rPr lang="en-US" dirty="0"/>
-              <a:t> </a:t>
-            </a:r>
-            <a:r>
-              <a:rPr lang="en-US" dirty="0" err="1"/>
+              <a:rPr lang="en-US" dirty="0">
+                <a:latin typeface="Baskerville Old Face" panose="02020602080505020303" pitchFamily="18" charset="0"/>
+              </a:rPr>
+              <a:t> </a:t>
+            </a:r>
+            <a:r>
+              <a:rPr lang="en-US" dirty="0" err="1">
+                <a:latin typeface="Baskerville Old Face" panose="02020602080505020303" pitchFamily="18" charset="0"/>
+              </a:rPr>
               <a:t>pada</a:t>
             </a:r>
             <a:r>
-              <a:rPr lang="en-US" dirty="0"/>
-              <a:t> </a:t>
-            </a:r>
-            <a:r>
-              <a:rPr lang="en-US" dirty="0" err="1"/>
+              <a:rPr lang="en-US" dirty="0">
+                <a:latin typeface="Baskerville Old Face" panose="02020602080505020303" pitchFamily="18" charset="0"/>
+              </a:rPr>
+              <a:t> </a:t>
+            </a:r>
+            <a:r>
+              <a:rPr lang="en-US" dirty="0" err="1">
+                <a:latin typeface="Baskerville Old Face" panose="02020602080505020303" pitchFamily="18" charset="0"/>
+              </a:rPr>
               <a:t>dunia</a:t>
             </a:r>
             <a:r>
-              <a:rPr lang="en-US" dirty="0"/>
+              <a:rPr lang="en-US" dirty="0">
+                <a:latin typeface="Baskerville Old Face" panose="02020602080505020303" pitchFamily="18" charset="0"/>
+              </a:rPr>
               <a:t> medical, </a:t>
             </a:r>
             <a:r>
-              <a:rPr lang="en-US" dirty="0" err="1"/>
+              <a:rPr lang="en-US" dirty="0" err="1">
+                <a:latin typeface="Baskerville Old Face" panose="02020602080505020303" pitchFamily="18" charset="0"/>
+              </a:rPr>
               <a:t>dalam</a:t>
             </a:r>
             <a:r>
-              <a:rPr lang="en-US" dirty="0"/>
-              <a:t> </a:t>
-            </a:r>
-            <a:r>
-              <a:rPr lang="en-US" dirty="0" err="1"/>
+              <a:rPr lang="en-US" dirty="0">
+                <a:latin typeface="Baskerville Old Face" panose="02020602080505020303" pitchFamily="18" charset="0"/>
+              </a:rPr>
+              <a:t> </a:t>
+            </a:r>
+            <a:r>
+              <a:rPr lang="en-US" dirty="0" err="1">
+                <a:latin typeface="Baskerville Old Face" panose="02020602080505020303" pitchFamily="18" charset="0"/>
+              </a:rPr>
               <a:t>dunia</a:t>
             </a:r>
             <a:r>
-              <a:rPr lang="en-US" dirty="0"/>
-              <a:t> </a:t>
-            </a:r>
-            <a:r>
-              <a:rPr lang="en-US" dirty="0" err="1"/>
+              <a:rPr lang="en-US" dirty="0">
+                <a:latin typeface="Baskerville Old Face" panose="02020602080505020303" pitchFamily="18" charset="0"/>
+              </a:rPr>
+              <a:t> </a:t>
+            </a:r>
+            <a:r>
+              <a:rPr lang="en-US" dirty="0" err="1">
+                <a:latin typeface="Baskerville Old Face" panose="02020602080505020303" pitchFamily="18" charset="0"/>
+              </a:rPr>
               <a:t>medis</a:t>
             </a:r>
             <a:r>
-              <a:rPr lang="en-US" dirty="0"/>
-              <a:t> </a:t>
-            </a:r>
-            <a:r>
-              <a:rPr lang="en-US" dirty="0" err="1"/>
+              <a:rPr lang="en-US" dirty="0">
+                <a:latin typeface="Baskerville Old Face" panose="02020602080505020303" pitchFamily="18" charset="0"/>
+              </a:rPr>
+              <a:t> </a:t>
+            </a:r>
+            <a:r>
+              <a:rPr lang="en-US" dirty="0" err="1">
+                <a:latin typeface="Baskerville Old Face" panose="02020602080505020303" pitchFamily="18" charset="0"/>
+              </a:rPr>
               <a:t>dokter</a:t>
             </a:r>
             <a:r>
-              <a:rPr lang="en-US" dirty="0"/>
-              <a:t> </a:t>
-            </a:r>
-            <a:r>
-              <a:rPr lang="en-US" dirty="0" err="1"/>
+              <a:rPr lang="en-US" dirty="0">
+                <a:latin typeface="Baskerville Old Face" panose="02020602080505020303" pitchFamily="18" charset="0"/>
+              </a:rPr>
+              <a:t> </a:t>
+            </a:r>
+            <a:r>
+              <a:rPr lang="en-US" dirty="0" err="1">
+                <a:latin typeface="Baskerville Old Face" panose="02020602080505020303" pitchFamily="18" charset="0"/>
+              </a:rPr>
               <a:t>mengambil</a:t>
             </a:r>
             <a:r>
-              <a:rPr lang="en-US" dirty="0"/>
-              <a:t> </a:t>
-            </a:r>
-            <a:r>
-              <a:rPr lang="en-US" dirty="0" err="1"/>
+              <a:rPr lang="en-US" dirty="0">
+                <a:latin typeface="Baskerville Old Face" panose="02020602080505020303" pitchFamily="18" charset="0"/>
+              </a:rPr>
+              <a:t> </a:t>
+            </a:r>
+            <a:r>
+              <a:rPr lang="en-US" dirty="0" err="1">
+                <a:latin typeface="Baskerville Old Face" panose="02020602080505020303" pitchFamily="18" charset="0"/>
+              </a:rPr>
               <a:t>gambar</a:t>
             </a:r>
             <a:r>
-              <a:rPr lang="en-US" dirty="0"/>
-              <a:t> </a:t>
-            </a:r>
-            <a:r>
-              <a:rPr lang="en-US" dirty="0" err="1"/>
+              <a:rPr lang="en-US" dirty="0">
+                <a:latin typeface="Baskerville Old Face" panose="02020602080505020303" pitchFamily="18" charset="0"/>
+              </a:rPr>
+              <a:t> </a:t>
+            </a:r>
+            <a:r>
+              <a:rPr lang="en-US" dirty="0" err="1">
+                <a:latin typeface="Baskerville Old Face" panose="02020602080505020303" pitchFamily="18" charset="0"/>
+              </a:rPr>
               <a:t>bagian</a:t>
             </a:r>
             <a:r>
-              <a:rPr lang="en-US" dirty="0"/>
-              <a:t> </a:t>
-            </a:r>
-            <a:r>
-              <a:rPr lang="en-US" dirty="0" err="1"/>
+              <a:rPr lang="en-US" dirty="0">
+                <a:latin typeface="Baskerville Old Face" panose="02020602080505020303" pitchFamily="18" charset="0"/>
+              </a:rPr>
+              <a:t> </a:t>
+            </a:r>
+            <a:r>
+              <a:rPr lang="en-US" dirty="0" err="1">
+                <a:latin typeface="Baskerville Old Face" panose="02020602080505020303" pitchFamily="18" charset="0"/>
+              </a:rPr>
               <a:t>tubuh</a:t>
             </a:r>
             <a:r>
-              <a:rPr lang="en-US" dirty="0"/>
-              <a:t> </a:t>
-            </a:r>
-            <a:r>
-              <a:rPr lang="en-US" dirty="0" err="1"/>
+              <a:rPr lang="en-US" dirty="0">
+                <a:latin typeface="Baskerville Old Face" panose="02020602080505020303" pitchFamily="18" charset="0"/>
+              </a:rPr>
+              <a:t> </a:t>
+            </a:r>
+            <a:r>
+              <a:rPr lang="en-US" dirty="0" err="1">
+                <a:latin typeface="Baskerville Old Face" panose="02020602080505020303" pitchFamily="18" charset="0"/>
+              </a:rPr>
               <a:t>pasien</a:t>
             </a:r>
             <a:r>
-              <a:rPr lang="en-US" dirty="0"/>
+              <a:rPr lang="en-US" dirty="0">
+                <a:latin typeface="Baskerville Old Face" panose="02020602080505020303" pitchFamily="18" charset="0"/>
+              </a:rPr>
               <a:t> yang di </a:t>
             </a:r>
             <a:r>
-              <a:rPr lang="en-US" dirty="0" err="1"/>
+              <a:rPr lang="en-US" dirty="0" err="1">
+                <a:latin typeface="Baskerville Old Face" panose="02020602080505020303" pitchFamily="18" charset="0"/>
+              </a:rPr>
               <a:t>diagnosa</a:t>
             </a:r>
             <a:r>
-              <a:rPr lang="en-US" dirty="0"/>
-              <a:t> </a:t>
-            </a:r>
-            <a:r>
-              <a:rPr lang="en-US" dirty="0" err="1"/>
+              <a:rPr lang="en-US" dirty="0">
+                <a:latin typeface="Baskerville Old Face" panose="02020602080505020303" pitchFamily="18" charset="0"/>
+              </a:rPr>
+              <a:t> </a:t>
+            </a:r>
+            <a:r>
+              <a:rPr lang="en-US" dirty="0" err="1">
+                <a:latin typeface="Baskerville Old Face" panose="02020602080505020303" pitchFamily="18" charset="0"/>
+              </a:rPr>
               <a:t>menggunakan</a:t>
             </a:r>
             <a:r>
-              <a:rPr lang="en-US" dirty="0"/>
-              <a:t> </a:t>
-            </a:r>
-            <a:r>
-              <a:rPr lang="en-US" dirty="0" err="1"/>
+              <a:rPr lang="en-US" dirty="0">
+                <a:latin typeface="Baskerville Old Face" panose="02020602080505020303" pitchFamily="18" charset="0"/>
+              </a:rPr>
+              <a:t> </a:t>
+            </a:r>
+            <a:r>
+              <a:rPr lang="en-US" dirty="0" err="1">
+                <a:latin typeface="Baskerville Old Face" panose="02020602080505020303" pitchFamily="18" charset="0"/>
+              </a:rPr>
               <a:t>suatu</a:t>
             </a:r>
             <a:r>
-              <a:rPr lang="en-US" dirty="0"/>
-              <a:t> </a:t>
-            </a:r>
-            <a:r>
-              <a:rPr lang="en-US" dirty="0" err="1"/>
+              <a:rPr lang="en-US" dirty="0">
+                <a:latin typeface="Baskerville Old Face" panose="02020602080505020303" pitchFamily="18" charset="0"/>
+              </a:rPr>
+              <a:t> </a:t>
+            </a:r>
+            <a:r>
+              <a:rPr lang="en-US" dirty="0" err="1">
+                <a:latin typeface="Baskerville Old Face" panose="02020602080505020303" pitchFamily="18" charset="0"/>
+              </a:rPr>
               <a:t>citra</a:t>
             </a:r>
             <a:r>
-              <a:rPr lang="en-US" dirty="0"/>
+              <a:rPr lang="en-US" dirty="0">
+                <a:latin typeface="Baskerville Old Face" panose="02020602080505020303" pitchFamily="18" charset="0"/>
+              </a:rPr>
               <a:t> digital</a:t>
             </a:r>
             <a:r>
-              <a:rPr lang="id-ID" dirty="0"/>
+              <a:rPr lang="id-ID" dirty="0">
+                <a:latin typeface="Baskerville Old Face" panose="02020602080505020303" pitchFamily="18" charset="0"/>
+              </a:rPr>
               <a:t>,</a:t>
             </a:r>
             <a:r>
-              <a:rPr lang="en-US" dirty="0" err="1"/>
+              <a:rPr lang="en-US" dirty="0" err="1">
+                <a:latin typeface="Baskerville Old Face" panose="02020602080505020303" pitchFamily="18" charset="0"/>
+              </a:rPr>
               <a:t>tetapi</a:t>
             </a:r>
             <a:r>
-              <a:rPr lang="id-ID" dirty="0"/>
+              <a:rPr lang="id-ID" dirty="0">
+                <a:latin typeface="Baskerville Old Face" panose="02020602080505020303" pitchFamily="18" charset="0"/>
+              </a:rPr>
               <a:t> seringkali terjadi gangguan pada hasil citra yang diambil. Gangguan ini dapat berupa adanya noise pada citra, pencahayaan yang kurang baik sehingga menghasilkan citra yang terlalu gelap ataupun terlalu terang</a:t>
             </a:r>
             <a:r>
-              <a:rPr lang="en-US" dirty="0"/>
-              <a:t> </a:t>
-            </a:r>
-            <a:r>
-              <a:rPr lang="en-US" dirty="0" err="1"/>
+              <a:rPr lang="en-US" dirty="0">
+                <a:latin typeface="Baskerville Old Face" panose="02020602080505020303" pitchFamily="18" charset="0"/>
+              </a:rPr>
+              <a:t> </a:t>
+            </a:r>
+            <a:r>
+              <a:rPr lang="en-US" dirty="0" err="1">
+                <a:latin typeface="Baskerville Old Face" panose="02020602080505020303" pitchFamily="18" charset="0"/>
+              </a:rPr>
               <a:t>sehingga</a:t>
             </a:r>
             <a:r>
-              <a:rPr lang="en-US" dirty="0"/>
-              <a:t> </a:t>
-            </a:r>
-            <a:r>
-              <a:rPr lang="en-US" dirty="0" err="1"/>
+              <a:rPr lang="en-US" dirty="0">
+                <a:latin typeface="Baskerville Old Face" panose="02020602080505020303" pitchFamily="18" charset="0"/>
+              </a:rPr>
+              <a:t> </a:t>
+            </a:r>
+            <a:r>
+              <a:rPr lang="en-US" dirty="0" err="1">
+                <a:latin typeface="Baskerville Old Face" panose="02020602080505020303" pitchFamily="18" charset="0"/>
+              </a:rPr>
               <a:t>dokter</a:t>
             </a:r>
             <a:r>
-              <a:rPr lang="en-US" dirty="0"/>
-              <a:t> </a:t>
-            </a:r>
-            <a:r>
-              <a:rPr lang="en-US" dirty="0" err="1"/>
+              <a:rPr lang="en-US" dirty="0">
+                <a:latin typeface="Baskerville Old Face" panose="02020602080505020303" pitchFamily="18" charset="0"/>
+              </a:rPr>
+              <a:t> </a:t>
+            </a:r>
+            <a:r>
+              <a:rPr lang="en-US" dirty="0" err="1">
+                <a:latin typeface="Baskerville Old Face" panose="02020602080505020303" pitchFamily="18" charset="0"/>
+              </a:rPr>
               <a:t>akan</a:t>
             </a:r>
             <a:r>
-              <a:rPr lang="en-US" dirty="0"/>
-              <a:t> </a:t>
-            </a:r>
-            <a:r>
-              <a:rPr lang="en-US" dirty="0" err="1"/>
+              <a:rPr lang="en-US" dirty="0">
+                <a:latin typeface="Baskerville Old Face" panose="02020602080505020303" pitchFamily="18" charset="0"/>
+              </a:rPr>
+              <a:t> </a:t>
+            </a:r>
+            <a:r>
+              <a:rPr lang="en-US" dirty="0" err="1">
+                <a:latin typeface="Baskerville Old Face" panose="02020602080505020303" pitchFamily="18" charset="0"/>
+              </a:rPr>
               <a:t>mengalami</a:t>
             </a:r>
             <a:r>
-              <a:rPr lang="en-US" dirty="0"/>
-              <a:t> </a:t>
-            </a:r>
-            <a:r>
-              <a:rPr lang="en-US" dirty="0" err="1"/>
+              <a:rPr lang="en-US" dirty="0">
+                <a:latin typeface="Baskerville Old Face" panose="02020602080505020303" pitchFamily="18" charset="0"/>
+              </a:rPr>
+              <a:t> </a:t>
+            </a:r>
+            <a:r>
+              <a:rPr lang="en-US" dirty="0" err="1">
+                <a:latin typeface="Baskerville Old Face" panose="02020602080505020303" pitchFamily="18" charset="0"/>
+              </a:rPr>
               <a:t>kesulitan</a:t>
             </a:r>
             <a:r>
-              <a:rPr lang="en-US" dirty="0"/>
-              <a:t> </a:t>
-            </a:r>
-            <a:r>
-              <a:rPr lang="en-US" dirty="0" err="1"/>
+              <a:rPr lang="en-US" dirty="0">
+                <a:latin typeface="Baskerville Old Face" panose="02020602080505020303" pitchFamily="18" charset="0"/>
+              </a:rPr>
+              <a:t> </a:t>
+            </a:r>
+            <a:r>
+              <a:rPr lang="en-US" dirty="0" err="1">
+                <a:latin typeface="Baskerville Old Face" panose="02020602080505020303" pitchFamily="18" charset="0"/>
+              </a:rPr>
               <a:t>dalam</a:t>
             </a:r>
             <a:r>
-              <a:rPr lang="en-US" dirty="0"/>
-              <a:t> </a:t>
-            </a:r>
-            <a:r>
-              <a:rPr lang="en-US" dirty="0" err="1"/>
+              <a:rPr lang="en-US" dirty="0">
+                <a:latin typeface="Baskerville Old Face" panose="02020602080505020303" pitchFamily="18" charset="0"/>
+              </a:rPr>
+              <a:t> </a:t>
+            </a:r>
+            <a:r>
+              <a:rPr lang="en-US" dirty="0" err="1">
+                <a:latin typeface="Baskerville Old Face" panose="02020602080505020303" pitchFamily="18" charset="0"/>
+              </a:rPr>
               <a:t>mengambil</a:t>
             </a:r>
             <a:r>
-              <a:rPr lang="en-US" dirty="0"/>
-              <a:t> </a:t>
-            </a:r>
-            <a:r>
-              <a:rPr lang="en-US" dirty="0" err="1"/>
+              <a:rPr lang="en-US" dirty="0">
+                <a:latin typeface="Baskerville Old Face" panose="02020602080505020303" pitchFamily="18" charset="0"/>
+              </a:rPr>
+              <a:t> </a:t>
+            </a:r>
+            <a:r>
+              <a:rPr lang="en-US" dirty="0" err="1">
+                <a:latin typeface="Baskerville Old Face" panose="02020602080505020303" pitchFamily="18" charset="0"/>
+              </a:rPr>
               <a:t>kesimpulan</a:t>
             </a:r>
             <a:r>
-              <a:rPr lang="en-US" dirty="0"/>
-              <a:t> </a:t>
-            </a:r>
-            <a:r>
-              <a:rPr lang="en-US" dirty="0" err="1"/>
+              <a:rPr lang="en-US" dirty="0">
+                <a:latin typeface="Baskerville Old Face" panose="02020602080505020303" pitchFamily="18" charset="0"/>
+              </a:rPr>
+              <a:t> </a:t>
+            </a:r>
+            <a:r>
+              <a:rPr lang="en-US" dirty="0" err="1">
+                <a:latin typeface="Baskerville Old Face" panose="02020602080505020303" pitchFamily="18" charset="0"/>
+              </a:rPr>
               <a:t>tentang</a:t>
             </a:r>
             <a:r>
-              <a:rPr lang="en-US" dirty="0"/>
-              <a:t> </a:t>
-            </a:r>
-            <a:r>
-              <a:rPr lang="en-US" dirty="0" err="1"/>
+              <a:rPr lang="en-US" dirty="0">
+                <a:latin typeface="Baskerville Old Face" panose="02020602080505020303" pitchFamily="18" charset="0"/>
+              </a:rPr>
+              <a:t> </a:t>
+            </a:r>
+            <a:r>
+              <a:rPr lang="en-US" dirty="0" err="1">
+                <a:latin typeface="Baskerville Old Face" panose="02020602080505020303" pitchFamily="18" charset="0"/>
+              </a:rPr>
               <a:t>hasil</a:t>
             </a:r>
             <a:r>
-              <a:rPr lang="en-US" dirty="0"/>
-              <a:t> </a:t>
-            </a:r>
-            <a:r>
-              <a:rPr lang="en-US" dirty="0" err="1"/>
+              <a:rPr lang="en-US" dirty="0">
+                <a:latin typeface="Baskerville Old Face" panose="02020602080505020303" pitchFamily="18" charset="0"/>
+              </a:rPr>
+              <a:t> </a:t>
+            </a:r>
+            <a:r>
+              <a:rPr lang="en-US" dirty="0" err="1">
+                <a:latin typeface="Baskerville Old Face" panose="02020602080505020303" pitchFamily="18" charset="0"/>
+              </a:rPr>
               <a:t>diagnosa</a:t>
             </a:r>
             <a:r>
-              <a:rPr lang="en-US" dirty="0"/>
-              <a:t> </a:t>
-            </a:r>
-            <a:r>
-              <a:rPr lang="en-US" dirty="0" err="1"/>
+              <a:rPr lang="en-US" dirty="0">
+                <a:latin typeface="Baskerville Old Face" panose="02020602080505020303" pitchFamily="18" charset="0"/>
+              </a:rPr>
+              <a:t> </a:t>
+            </a:r>
+            <a:r>
+              <a:rPr lang="en-US" dirty="0" err="1">
+                <a:latin typeface="Baskerville Old Face" panose="02020602080505020303" pitchFamily="18" charset="0"/>
+              </a:rPr>
               <a:t>tersebut</a:t>
             </a:r>
             <a:r>
-              <a:rPr lang="en-US" dirty="0"/>
+              <a:rPr lang="en-US" dirty="0">
+                <a:latin typeface="Baskerville Old Face" panose="02020602080505020303" pitchFamily="18" charset="0"/>
+              </a:rPr>
               <a:t>. G</a:t>
             </a:r>
             <a:r>
-              <a:rPr lang="id-ID" dirty="0"/>
+              <a:rPr lang="id-ID" dirty="0">
+                <a:latin typeface="Baskerville Old Face" panose="02020602080505020303" pitchFamily="18" charset="0"/>
+              </a:rPr>
               <a:t>angguan</a:t>
             </a:r>
             <a:r>
-              <a:rPr lang="en-US" dirty="0"/>
-              <a:t> </a:t>
-            </a:r>
-            <a:r>
-              <a:rPr lang="id-ID" dirty="0"/>
+              <a:rPr lang="en-US" dirty="0">
+                <a:latin typeface="Baskerville Old Face" panose="02020602080505020303" pitchFamily="18" charset="0"/>
+              </a:rPr>
+              <a:t> </a:t>
+            </a:r>
+            <a:r>
+              <a:rPr lang="id-ID" dirty="0">
+                <a:latin typeface="Baskerville Old Face" panose="02020602080505020303" pitchFamily="18" charset="0"/>
+              </a:rPr>
               <a:t>-</a:t>
             </a:r>
             <a:r>
-              <a:rPr lang="en-US" dirty="0"/>
-              <a:t> </a:t>
-            </a:r>
-            <a:r>
-              <a:rPr lang="id-ID" dirty="0"/>
+              <a:rPr lang="en-US" dirty="0">
+                <a:latin typeface="Baskerville Old Face" panose="02020602080505020303" pitchFamily="18" charset="0"/>
+              </a:rPr>
+              <a:t> </a:t>
+            </a:r>
+            <a:r>
+              <a:rPr lang="id-ID" dirty="0">
+                <a:latin typeface="Baskerville Old Face" panose="02020602080505020303" pitchFamily="18" charset="0"/>
+              </a:rPr>
               <a:t>gangguan tersebut dapat kita kurangi dengan memperbaiki citra tersebut dengan cara memanipulasi nilai-nilai pixel pada citra tersebut sehingga hasilnya lebih baik daripada sebelumnya. </a:t>
             </a:r>
           </a:p>
           <a:p>
-            <a:endParaRPr lang="id-ID" dirty="0"/>
+            <a:endParaRPr lang="id-ID" dirty="0">
+              <a:latin typeface="Baskerville Old Face" panose="02020602080505020303" pitchFamily="18" charset="0"/>
+            </a:endParaRPr>
           </a:p>
         </p:txBody>
       </p:sp>
@@ -3686,326 +3910,488 @@
           <a:lstStyle/>
           <a:p>
             <a:r>
-              <a:rPr lang="en-US" dirty="0"/>
+              <a:rPr lang="en-US" dirty="0">
+                <a:latin typeface="Baskerville Old Face" panose="02020602080505020303" pitchFamily="18" charset="0"/>
+              </a:rPr>
               <a:t>Dari </a:t>
             </a:r>
             <a:r>
-              <a:rPr lang="en-US" dirty="0" err="1"/>
+              <a:rPr lang="en-US" dirty="0" err="1">
+                <a:latin typeface="Baskerville Old Face" panose="02020602080505020303" pitchFamily="18" charset="0"/>
+              </a:rPr>
               <a:t>uraian</a:t>
             </a:r>
             <a:r>
-              <a:rPr lang="en-US" dirty="0"/>
-              <a:t> </a:t>
-            </a:r>
-            <a:r>
-              <a:rPr lang="en-US" dirty="0" err="1"/>
+              <a:rPr lang="en-US" dirty="0">
+                <a:latin typeface="Baskerville Old Face" panose="02020602080505020303" pitchFamily="18" charset="0"/>
+              </a:rPr>
+              <a:t> </a:t>
+            </a:r>
+            <a:r>
+              <a:rPr lang="en-US" dirty="0" err="1">
+                <a:latin typeface="Baskerville Old Face" panose="02020602080505020303" pitchFamily="18" charset="0"/>
+              </a:rPr>
               <a:t>diatas</a:t>
             </a:r>
             <a:r>
-              <a:rPr lang="en-US" dirty="0"/>
+              <a:rPr lang="en-US" dirty="0">
+                <a:latin typeface="Baskerville Old Face" panose="02020602080505020303" pitchFamily="18" charset="0"/>
+              </a:rPr>
               <a:t>, kami </a:t>
             </a:r>
             <a:r>
-              <a:rPr lang="en-US" dirty="0" err="1"/>
+              <a:rPr lang="en-US" dirty="0" err="1">
+                <a:latin typeface="Baskerville Old Face" panose="02020602080505020303" pitchFamily="18" charset="0"/>
+              </a:rPr>
               <a:t>akan</a:t>
             </a:r>
             <a:r>
-              <a:rPr lang="en-US" dirty="0"/>
-              <a:t> </a:t>
-            </a:r>
-            <a:r>
-              <a:rPr lang="en-US" dirty="0" err="1"/>
+              <a:rPr lang="en-US" dirty="0">
+                <a:latin typeface="Baskerville Old Face" panose="02020602080505020303" pitchFamily="18" charset="0"/>
+              </a:rPr>
+              <a:t> </a:t>
+            </a:r>
+            <a:r>
+              <a:rPr lang="en-US" dirty="0" err="1">
+                <a:latin typeface="Baskerville Old Face" panose="02020602080505020303" pitchFamily="18" charset="0"/>
+              </a:rPr>
               <a:t>melakukan</a:t>
             </a:r>
             <a:r>
-              <a:rPr lang="en-US" dirty="0"/>
-              <a:t> </a:t>
-            </a:r>
-            <a:r>
-              <a:rPr lang="en-US" dirty="0" err="1"/>
+              <a:rPr lang="en-US" dirty="0">
+                <a:latin typeface="Baskerville Old Face" panose="02020602080505020303" pitchFamily="18" charset="0"/>
+              </a:rPr>
+              <a:t> </a:t>
+            </a:r>
+            <a:r>
+              <a:rPr lang="en-US" dirty="0" err="1">
+                <a:latin typeface="Baskerville Old Face" panose="02020602080505020303" pitchFamily="18" charset="0"/>
+              </a:rPr>
               <a:t>riset</a:t>
             </a:r>
             <a:r>
-              <a:rPr lang="en-US" dirty="0"/>
-              <a:t> </a:t>
-            </a:r>
-            <a:r>
-              <a:rPr lang="en-US" dirty="0" err="1"/>
+              <a:rPr lang="en-US" dirty="0">
+                <a:latin typeface="Baskerville Old Face" panose="02020602080505020303" pitchFamily="18" charset="0"/>
+              </a:rPr>
+              <a:t> </a:t>
+            </a:r>
+            <a:r>
+              <a:rPr lang="en-US" dirty="0" err="1">
+                <a:latin typeface="Baskerville Old Face" panose="02020602080505020303" pitchFamily="18" charset="0"/>
+              </a:rPr>
               <a:t>melalui</a:t>
             </a:r>
             <a:r>
-              <a:rPr lang="en-US" dirty="0"/>
-              <a:t> </a:t>
-            </a:r>
-            <a:r>
-              <a:rPr lang="en-US" dirty="0" err="1"/>
+              <a:rPr lang="en-US" dirty="0">
+                <a:latin typeface="Baskerville Old Face" panose="02020602080505020303" pitchFamily="18" charset="0"/>
+              </a:rPr>
+              <a:t> </a:t>
+            </a:r>
+            <a:r>
+              <a:rPr lang="en-US" dirty="0" err="1">
+                <a:latin typeface="Baskerville Old Face" panose="02020602080505020303" pitchFamily="18" charset="0"/>
+              </a:rPr>
               <a:t>pembuatan</a:t>
             </a:r>
             <a:r>
-              <a:rPr lang="en-US" dirty="0"/>
+              <a:rPr lang="en-US" dirty="0">
+                <a:latin typeface="Baskerville Old Face" panose="02020602080505020303" pitchFamily="18" charset="0"/>
+              </a:rPr>
               <a:t> project </a:t>
             </a:r>
             <a:r>
-              <a:rPr lang="en-US" dirty="0" err="1"/>
+              <a:rPr lang="en-US" dirty="0" err="1">
+                <a:latin typeface="Baskerville Old Face" panose="02020602080505020303" pitchFamily="18" charset="0"/>
+              </a:rPr>
               <a:t>pada</a:t>
             </a:r>
             <a:r>
-              <a:rPr lang="en-US" dirty="0"/>
-              <a:t> </a:t>
-            </a:r>
-            <a:r>
-              <a:rPr lang="en-US" dirty="0" err="1"/>
+              <a:rPr lang="en-US" dirty="0">
+                <a:latin typeface="Baskerville Old Face" panose="02020602080505020303" pitchFamily="18" charset="0"/>
+              </a:rPr>
+              <a:t> </a:t>
+            </a:r>
+            <a:r>
+              <a:rPr lang="en-US" dirty="0" err="1">
+                <a:latin typeface="Baskerville Old Face" panose="02020602080505020303" pitchFamily="18" charset="0"/>
+              </a:rPr>
               <a:t>salah</a:t>
             </a:r>
             <a:r>
-              <a:rPr lang="en-US" dirty="0"/>
-              <a:t> </a:t>
-            </a:r>
-            <a:r>
-              <a:rPr lang="en-US" dirty="0" err="1"/>
+              <a:rPr lang="en-US" dirty="0">
+                <a:latin typeface="Baskerville Old Face" panose="02020602080505020303" pitchFamily="18" charset="0"/>
+              </a:rPr>
+              <a:t> </a:t>
+            </a:r>
+            <a:r>
+              <a:rPr lang="en-US" dirty="0" err="1">
+                <a:latin typeface="Baskerville Old Face" panose="02020602080505020303" pitchFamily="18" charset="0"/>
+              </a:rPr>
               <a:t>satu</a:t>
             </a:r>
             <a:r>
-              <a:rPr lang="en-US" dirty="0"/>
-              <a:t> </a:t>
-            </a:r>
-            <a:r>
-              <a:rPr lang="en-US" dirty="0" err="1"/>
+              <a:rPr lang="en-US" dirty="0">
+                <a:latin typeface="Baskerville Old Face" panose="02020602080505020303" pitchFamily="18" charset="0"/>
+              </a:rPr>
+              <a:t> </a:t>
+            </a:r>
+            <a:r>
+              <a:rPr lang="en-US" dirty="0" err="1">
+                <a:latin typeface="Baskerville Old Face" panose="02020602080505020303" pitchFamily="18" charset="0"/>
+              </a:rPr>
               <a:t>ilmu</a:t>
             </a:r>
             <a:r>
-              <a:rPr lang="en-US" dirty="0"/>
+              <a:rPr lang="en-US" dirty="0">
+                <a:latin typeface="Baskerville Old Face" panose="02020602080505020303" pitchFamily="18" charset="0"/>
+              </a:rPr>
               <a:t> di </a:t>
             </a:r>
             <a:r>
-              <a:rPr lang="en-US" dirty="0" err="1"/>
+              <a:rPr lang="en-US" dirty="0" err="1">
+                <a:latin typeface="Baskerville Old Face" panose="02020602080505020303" pitchFamily="18" charset="0"/>
+              </a:rPr>
               <a:t>bagian</a:t>
             </a:r>
             <a:r>
-              <a:rPr lang="en-US" dirty="0"/>
-              <a:t> </a:t>
-            </a:r>
-            <a:r>
-              <a:rPr lang="en-US" dirty="0" err="1"/>
+              <a:rPr lang="en-US" dirty="0">
+                <a:latin typeface="Baskerville Old Face" panose="02020602080505020303" pitchFamily="18" charset="0"/>
+              </a:rPr>
+              <a:t> </a:t>
+            </a:r>
+            <a:r>
+              <a:rPr lang="en-US" dirty="0" err="1">
+                <a:latin typeface="Baskerville Old Face" panose="02020602080505020303" pitchFamily="18" charset="0"/>
+              </a:rPr>
               <a:t>medis</a:t>
             </a:r>
             <a:r>
-              <a:rPr lang="en-US" dirty="0"/>
-              <a:t> </a:t>
-            </a:r>
-            <a:r>
-              <a:rPr lang="en-US" dirty="0" err="1"/>
+              <a:rPr lang="en-US" dirty="0">
+                <a:latin typeface="Baskerville Old Face" panose="02020602080505020303" pitchFamily="18" charset="0"/>
+              </a:rPr>
+              <a:t> </a:t>
+            </a:r>
+            <a:r>
+              <a:rPr lang="en-US" dirty="0" err="1">
+                <a:latin typeface="Baskerville Old Face" panose="02020602080505020303" pitchFamily="18" charset="0"/>
+              </a:rPr>
               <a:t>yaitu</a:t>
             </a:r>
             <a:r>
-              <a:rPr lang="en-US" dirty="0"/>
-              <a:t> </a:t>
-            </a:r>
-            <a:r>
-              <a:rPr lang="en-US" dirty="0" err="1"/>
+              <a:rPr lang="en-US" dirty="0">
+                <a:latin typeface="Baskerville Old Face" panose="02020602080505020303" pitchFamily="18" charset="0"/>
+              </a:rPr>
+              <a:t> </a:t>
+            </a:r>
+            <a:r>
+              <a:rPr lang="en-US" dirty="0" err="1">
+                <a:latin typeface="Baskerville Old Face" panose="02020602080505020303" pitchFamily="18" charset="0"/>
+              </a:rPr>
               <a:t>memudahkan</a:t>
             </a:r>
             <a:r>
-              <a:rPr lang="en-US" dirty="0"/>
-              <a:t> </a:t>
-            </a:r>
-            <a:r>
-              <a:rPr lang="en-US" dirty="0" err="1"/>
+              <a:rPr lang="en-US" dirty="0">
+                <a:latin typeface="Baskerville Old Face" panose="02020602080505020303" pitchFamily="18" charset="0"/>
+              </a:rPr>
+              <a:t> </a:t>
+            </a:r>
+            <a:r>
+              <a:rPr lang="en-US" dirty="0" err="1">
+                <a:latin typeface="Baskerville Old Face" panose="02020602080505020303" pitchFamily="18" charset="0"/>
+              </a:rPr>
               <a:t>pembacaan</a:t>
             </a:r>
             <a:r>
-              <a:rPr lang="en-US" dirty="0"/>
-              <a:t> </a:t>
-            </a:r>
-            <a:r>
-              <a:rPr lang="en-US" dirty="0" err="1"/>
+              <a:rPr lang="en-US" dirty="0">
+                <a:latin typeface="Baskerville Old Face" panose="02020602080505020303" pitchFamily="18" charset="0"/>
+              </a:rPr>
+              <a:t> </a:t>
+            </a:r>
+            <a:r>
+              <a:rPr lang="en-US" dirty="0" err="1">
+                <a:latin typeface="Baskerville Old Face" panose="02020602080505020303" pitchFamily="18" charset="0"/>
+              </a:rPr>
               <a:t>hasil</a:t>
             </a:r>
             <a:r>
-              <a:rPr lang="en-US" dirty="0"/>
-              <a:t> </a:t>
-            </a:r>
-            <a:r>
-              <a:rPr lang="en-US" dirty="0" err="1"/>
+              <a:rPr lang="en-US" dirty="0">
+                <a:latin typeface="Baskerville Old Face" panose="02020602080505020303" pitchFamily="18" charset="0"/>
+              </a:rPr>
+              <a:t> </a:t>
+            </a:r>
+            <a:r>
+              <a:rPr lang="en-US" dirty="0" err="1">
+                <a:latin typeface="Baskerville Old Face" panose="02020602080505020303" pitchFamily="18" charset="0"/>
+              </a:rPr>
               <a:t>ct</a:t>
             </a:r>
             <a:r>
-              <a:rPr lang="en-US" dirty="0"/>
+              <a:rPr lang="en-US" dirty="0">
+                <a:latin typeface="Baskerville Old Face" panose="02020602080505020303" pitchFamily="18" charset="0"/>
+              </a:rPr>
               <a:t>-scan </a:t>
             </a:r>
             <a:r>
-              <a:rPr lang="en-US" dirty="0" err="1"/>
+              <a:rPr lang="en-US" dirty="0" err="1">
+                <a:latin typeface="Baskerville Old Face" panose="02020602080505020303" pitchFamily="18" charset="0"/>
+              </a:rPr>
               <a:t>paru</a:t>
             </a:r>
             <a:r>
-              <a:rPr lang="en-US" dirty="0"/>
-              <a:t> </a:t>
-            </a:r>
-            <a:r>
-              <a:rPr lang="en-US" dirty="0" err="1"/>
+              <a:rPr lang="en-US" dirty="0">
+                <a:latin typeface="Baskerville Old Face" panose="02020602080505020303" pitchFamily="18" charset="0"/>
+              </a:rPr>
+              <a:t> </a:t>
+            </a:r>
+            <a:r>
+              <a:rPr lang="en-US" dirty="0" err="1">
+                <a:latin typeface="Baskerville Old Face" panose="02020602080505020303" pitchFamily="18" charset="0"/>
+              </a:rPr>
               <a:t>paru</a:t>
             </a:r>
             <a:r>
-              <a:rPr lang="en-US" dirty="0"/>
+              <a:rPr lang="en-US" dirty="0">
+                <a:latin typeface="Baskerville Old Face" panose="02020602080505020303" pitchFamily="18" charset="0"/>
+              </a:rPr>
               <a:t> agar </a:t>
             </a:r>
             <a:r>
-              <a:rPr lang="en-US" dirty="0" err="1"/>
+              <a:rPr lang="en-US" dirty="0" err="1">
+                <a:latin typeface="Baskerville Old Face" panose="02020602080505020303" pitchFamily="18" charset="0"/>
+              </a:rPr>
               <a:t>dapat</a:t>
             </a:r>
             <a:r>
-              <a:rPr lang="en-US" dirty="0"/>
-              <a:t> </a:t>
-            </a:r>
-            <a:r>
-              <a:rPr lang="en-US" dirty="0" err="1"/>
+              <a:rPr lang="en-US" dirty="0">
+                <a:latin typeface="Baskerville Old Face" panose="02020602080505020303" pitchFamily="18" charset="0"/>
+              </a:rPr>
+              <a:t> </a:t>
+            </a:r>
+            <a:r>
+              <a:rPr lang="en-US" dirty="0" err="1">
+                <a:latin typeface="Baskerville Old Face" panose="02020602080505020303" pitchFamily="18" charset="0"/>
+              </a:rPr>
               <a:t>terlihat</a:t>
             </a:r>
             <a:r>
-              <a:rPr lang="en-US" dirty="0"/>
-              <a:t> </a:t>
-            </a:r>
-            <a:r>
-              <a:rPr lang="en-US" dirty="0" err="1"/>
+              <a:rPr lang="en-US" dirty="0">
+                <a:latin typeface="Baskerville Old Face" panose="02020602080505020303" pitchFamily="18" charset="0"/>
+              </a:rPr>
+              <a:t> </a:t>
+            </a:r>
+            <a:r>
+              <a:rPr lang="en-US" dirty="0" err="1">
+                <a:latin typeface="Baskerville Old Face" panose="02020602080505020303" pitchFamily="18" charset="0"/>
+              </a:rPr>
               <a:t>dengan</a:t>
             </a:r>
             <a:r>
-              <a:rPr lang="en-US" dirty="0"/>
-              <a:t> </a:t>
-            </a:r>
-            <a:r>
-              <a:rPr lang="en-US" dirty="0" err="1"/>
+              <a:rPr lang="en-US" dirty="0">
+                <a:latin typeface="Baskerville Old Face" panose="02020602080505020303" pitchFamily="18" charset="0"/>
+              </a:rPr>
+              <a:t> </a:t>
+            </a:r>
+            <a:r>
+              <a:rPr lang="en-US" dirty="0" err="1">
+                <a:latin typeface="Baskerville Old Face" panose="02020602080505020303" pitchFamily="18" charset="0"/>
+              </a:rPr>
               <a:t>jelas</a:t>
             </a:r>
             <a:r>
-              <a:rPr lang="en-US" dirty="0"/>
-              <a:t> </a:t>
-            </a:r>
-            <a:r>
-              <a:rPr lang="en-US" dirty="0" err="1"/>
+              <a:rPr lang="en-US" dirty="0">
+                <a:latin typeface="Baskerville Old Face" panose="02020602080505020303" pitchFamily="18" charset="0"/>
+              </a:rPr>
+              <a:t> </a:t>
+            </a:r>
+            <a:r>
+              <a:rPr lang="en-US" dirty="0" err="1">
+                <a:latin typeface="Baskerville Old Face" panose="02020602080505020303" pitchFamily="18" charset="0"/>
+              </a:rPr>
               <a:t>dengan</a:t>
             </a:r>
             <a:r>
-              <a:rPr lang="en-US" dirty="0"/>
-              <a:t> </a:t>
-            </a:r>
-            <a:r>
-              <a:rPr lang="en-US" dirty="0" err="1"/>
+              <a:rPr lang="en-US" dirty="0">
+                <a:latin typeface="Baskerville Old Face" panose="02020602080505020303" pitchFamily="18" charset="0"/>
+              </a:rPr>
+              <a:t> </a:t>
+            </a:r>
+            <a:r>
+              <a:rPr lang="en-US" dirty="0" err="1">
+                <a:latin typeface="Baskerville Old Face" panose="02020602080505020303" pitchFamily="18" charset="0"/>
+              </a:rPr>
               <a:t>memberi</a:t>
             </a:r>
             <a:r>
-              <a:rPr lang="en-US" dirty="0"/>
-              <a:t> </a:t>
-            </a:r>
-            <a:r>
-              <a:rPr lang="en-US" dirty="0" err="1"/>
+              <a:rPr lang="en-US" dirty="0">
+                <a:latin typeface="Baskerville Old Face" panose="02020602080505020303" pitchFamily="18" charset="0"/>
+              </a:rPr>
+              <a:t> </a:t>
+            </a:r>
+            <a:r>
+              <a:rPr lang="en-US" dirty="0" err="1">
+                <a:latin typeface="Baskerville Old Face" panose="02020602080505020303" pitchFamily="18" charset="0"/>
+              </a:rPr>
               <a:t>judul</a:t>
             </a:r>
             <a:r>
-              <a:rPr lang="en-US" dirty="0"/>
+              <a:rPr lang="en-US" dirty="0">
+                <a:latin typeface="Baskerville Old Face" panose="02020602080505020303" pitchFamily="18" charset="0"/>
+              </a:rPr>
               <a:t> “Lung Comparison Image Processing”.</a:t>
             </a:r>
           </a:p>
           <a:p>
-            <a:endParaRPr lang="en-US" dirty="0"/>
-          </a:p>
-          <a:p>
-            <a:endParaRPr lang="en-US" dirty="0"/>
-          </a:p>
-          <a:p>
-            <a:r>
-              <a:rPr lang="en-US" dirty="0"/>
+            <a:endParaRPr lang="en-US" dirty="0">
+              <a:latin typeface="Baskerville Old Face" panose="02020602080505020303" pitchFamily="18" charset="0"/>
+            </a:endParaRPr>
+          </a:p>
+          <a:p>
+            <a:endParaRPr lang="en-US" dirty="0">
+              <a:latin typeface="Baskerville Old Face" panose="02020602080505020303" pitchFamily="18" charset="0"/>
+            </a:endParaRPr>
+          </a:p>
+          <a:p>
+            <a:r>
+              <a:rPr lang="en-US" dirty="0">
+                <a:latin typeface="Baskerville Old Face" panose="02020602080505020303" pitchFamily="18" charset="0"/>
+              </a:rPr>
               <a:t>Project </a:t>
             </a:r>
             <a:r>
-              <a:rPr lang="en-US" dirty="0" err="1"/>
+              <a:rPr lang="en-US" dirty="0" err="1">
+                <a:latin typeface="Baskerville Old Face" panose="02020602080505020303" pitchFamily="18" charset="0"/>
+              </a:rPr>
               <a:t>tersebut</a:t>
             </a:r>
             <a:r>
-              <a:rPr lang="en-US" dirty="0"/>
-              <a:t> </a:t>
-            </a:r>
-            <a:r>
-              <a:rPr lang="en-US" dirty="0" err="1"/>
+              <a:rPr lang="en-US" dirty="0">
+                <a:latin typeface="Baskerville Old Face" panose="02020602080505020303" pitchFamily="18" charset="0"/>
+              </a:rPr>
+              <a:t> </a:t>
+            </a:r>
+            <a:r>
+              <a:rPr lang="en-US" dirty="0" err="1">
+                <a:latin typeface="Baskerville Old Face" panose="02020602080505020303" pitchFamily="18" charset="0"/>
+              </a:rPr>
               <a:t>kita</a:t>
             </a:r>
             <a:r>
-              <a:rPr lang="en-US" dirty="0"/>
-              <a:t> </a:t>
-            </a:r>
-            <a:r>
-              <a:rPr lang="en-US" dirty="0" err="1"/>
+              <a:rPr lang="en-US" dirty="0">
+                <a:latin typeface="Baskerville Old Face" panose="02020602080505020303" pitchFamily="18" charset="0"/>
+              </a:rPr>
+              <a:t> </a:t>
+            </a:r>
+            <a:r>
+              <a:rPr lang="en-US" dirty="0" err="1">
+                <a:latin typeface="Baskerville Old Face" panose="02020602080505020303" pitchFamily="18" charset="0"/>
+              </a:rPr>
               <a:t>lakuka</a:t>
             </a:r>
             <a:r>
-              <a:rPr lang="en-US" dirty="0"/>
-              <a:t> </a:t>
-            </a:r>
-            <a:r>
-              <a:rPr lang="en-US" dirty="0" err="1"/>
+              <a:rPr lang="en-US" dirty="0">
+                <a:latin typeface="Baskerville Old Face" panose="02020602080505020303" pitchFamily="18" charset="0"/>
+              </a:rPr>
+              <a:t> </a:t>
+            </a:r>
+            <a:r>
+              <a:rPr lang="en-US" dirty="0" err="1">
+                <a:latin typeface="Baskerville Old Face" panose="02020602080505020303" pitchFamily="18" charset="0"/>
+              </a:rPr>
               <a:t>dengan</a:t>
             </a:r>
             <a:r>
-              <a:rPr lang="en-US" dirty="0"/>
-              <a:t> </a:t>
-            </a:r>
-            <a:r>
-              <a:rPr lang="en-US" dirty="0" err="1"/>
+              <a:rPr lang="en-US" dirty="0">
+                <a:latin typeface="Baskerville Old Face" panose="02020602080505020303" pitchFamily="18" charset="0"/>
+              </a:rPr>
+              <a:t> </a:t>
+            </a:r>
+            <a:r>
+              <a:rPr lang="en-US" dirty="0" err="1">
+                <a:latin typeface="Baskerville Old Face" panose="02020602080505020303" pitchFamily="18" charset="0"/>
+              </a:rPr>
               <a:t>menggunakan</a:t>
             </a:r>
             <a:r>
-              <a:rPr lang="en-US" dirty="0"/>
+              <a:rPr lang="en-US" dirty="0">
+                <a:latin typeface="Baskerville Old Face" panose="02020602080505020303" pitchFamily="18" charset="0"/>
+              </a:rPr>
               <a:t> Visual Studio </a:t>
             </a:r>
             <a:r>
-              <a:rPr lang="en-US" dirty="0" err="1"/>
+              <a:rPr lang="en-US" dirty="0" err="1">
+                <a:latin typeface="Baskerville Old Face" panose="02020602080505020303" pitchFamily="18" charset="0"/>
+              </a:rPr>
               <a:t>berbasis</a:t>
             </a:r>
             <a:r>
-              <a:rPr lang="en-US" dirty="0"/>
+              <a:rPr lang="en-US" dirty="0">
+                <a:latin typeface="Baskerville Old Face" panose="02020602080505020303" pitchFamily="18" charset="0"/>
+              </a:rPr>
               <a:t> C++ </a:t>
             </a:r>
             <a:r>
-              <a:rPr lang="en-US" dirty="0" err="1"/>
+              <a:rPr lang="en-US" dirty="0" err="1">
+                <a:latin typeface="Baskerville Old Face" panose="02020602080505020303" pitchFamily="18" charset="0"/>
+              </a:rPr>
               <a:t>dengan</a:t>
             </a:r>
             <a:r>
-              <a:rPr lang="en-US" dirty="0"/>
-              <a:t> </a:t>
-            </a:r>
-            <a:r>
-              <a:rPr lang="en-US" dirty="0" err="1"/>
+              <a:rPr lang="en-US" dirty="0">
+                <a:latin typeface="Baskerville Old Face" panose="02020602080505020303" pitchFamily="18" charset="0"/>
+              </a:rPr>
+              <a:t> </a:t>
+            </a:r>
+            <a:r>
+              <a:rPr lang="en-US" dirty="0" err="1">
+                <a:latin typeface="Baskerville Old Face" panose="02020602080505020303" pitchFamily="18" charset="0"/>
+              </a:rPr>
               <a:t>beberapa</a:t>
             </a:r>
             <a:r>
-              <a:rPr lang="en-US" dirty="0"/>
+              <a:rPr lang="en-US" dirty="0">
+                <a:latin typeface="Baskerville Old Face" panose="02020602080505020303" pitchFamily="18" charset="0"/>
+              </a:rPr>
               <a:t> method yang </a:t>
             </a:r>
             <a:r>
-              <a:rPr lang="en-US" dirty="0" err="1"/>
+              <a:rPr lang="en-US" dirty="0" err="1">
+                <a:latin typeface="Baskerville Old Face" panose="02020602080505020303" pitchFamily="18" charset="0"/>
+              </a:rPr>
               <a:t>ada</a:t>
             </a:r>
             <a:r>
-              <a:rPr lang="en-US" dirty="0"/>
-              <a:t> </a:t>
-            </a:r>
-            <a:r>
-              <a:rPr lang="en-US" dirty="0" err="1"/>
+              <a:rPr lang="en-US" dirty="0">
+                <a:latin typeface="Baskerville Old Face" panose="02020602080505020303" pitchFamily="18" charset="0"/>
+              </a:rPr>
+              <a:t> </a:t>
+            </a:r>
+            <a:r>
+              <a:rPr lang="en-US" dirty="0" err="1">
+                <a:latin typeface="Baskerville Old Face" panose="02020602080505020303" pitchFamily="18" charset="0"/>
+              </a:rPr>
               <a:t>seperti</a:t>
             </a:r>
             <a:r>
-              <a:rPr lang="en-US" dirty="0"/>
+              <a:rPr lang="en-US" dirty="0">
+                <a:latin typeface="Baskerville Old Face" panose="02020602080505020303" pitchFamily="18" charset="0"/>
+              </a:rPr>
               <a:t> bit plane slicing, erosion, median blur, dilation, </a:t>
             </a:r>
             <a:r>
-              <a:rPr lang="en-US" dirty="0" err="1"/>
+              <a:rPr lang="en-US" dirty="0" err="1">
+                <a:latin typeface="Baskerville Old Face" panose="02020602080505020303" pitchFamily="18" charset="0"/>
+              </a:rPr>
               <a:t>dan</a:t>
             </a:r>
             <a:r>
-              <a:rPr lang="en-US" dirty="0"/>
+              <a:rPr lang="en-US" dirty="0">
+                <a:latin typeface="Baskerville Old Face" panose="02020602080505020303" pitchFamily="18" charset="0"/>
+              </a:rPr>
               <a:t> canny edge</a:t>
             </a:r>
-            <a:endParaRPr lang="id-ID" dirty="0"/>
+            <a:endParaRPr lang="id-ID" dirty="0">
+              <a:latin typeface="Baskerville Old Face" panose="02020602080505020303" pitchFamily="18" charset="0"/>
+            </a:endParaRPr>
           </a:p>
         </p:txBody>
       </p:sp>
@@ -4013,6 +4399,455 @@
     <p:extLst>
       <p:ext uri="{BB962C8B-B14F-4D97-AF65-F5344CB8AC3E}">
         <p14:creationId xmlns:p14="http://schemas.microsoft.com/office/powerpoint/2010/main" val="833233869"/>
+      </p:ext>
+    </p:extLst>
+  </p:cSld>
+  <p:clrMapOvr>
+    <a:masterClrMapping/>
+  </p:clrMapOvr>
+</p:sld>
+</file>
+
+<file path=ppt/slides/slide5.xml><?xml version="1.0" encoding="utf-8"?>
+<p:sld xmlns:a="http://schemas.openxmlformats.org/drawingml/2006/main" xmlns:r="http://schemas.openxmlformats.org/officeDocument/2006/relationships" xmlns:p="http://schemas.openxmlformats.org/presentationml/2006/main">
+  <p:cSld>
+    <p:bg>
+      <p:bgPr>
+        <a:blipFill dpi="0" rotWithShape="1">
+          <a:blip r:embed="rId2">
+            <a:lum/>
+          </a:blip>
+          <a:srcRect/>
+          <a:stretch>
+            <a:fillRect t="-17000" b="-17000"/>
+          </a:stretch>
+        </a:blipFill>
+        <a:effectLst/>
+      </p:bgPr>
+    </p:bg>
+    <p:spTree>
+      <p:nvGrpSpPr>
+        <p:cNvPr id="1" name=""/>
+        <p:cNvGrpSpPr/>
+        <p:nvPr/>
+      </p:nvGrpSpPr>
+      <p:grpSpPr>
+        <a:xfrm>
+          <a:off x="0" y="0"/>
+          <a:ext cx="0" cy="0"/>
+          <a:chOff x="0" y="0"/>
+          <a:chExt cx="0" cy="0"/>
+        </a:xfrm>
+      </p:grpSpPr>
+      <p:sp>
+        <p:nvSpPr>
+          <p:cNvPr id="2" name="Title 1"/>
+          <p:cNvSpPr>
+            <a:spLocks noGrp="1"/>
+          </p:cNvSpPr>
+          <p:nvPr>
+            <p:ph type="title"/>
+          </p:nvPr>
+        </p:nvSpPr>
+        <p:spPr>
+          <a:xfrm>
+            <a:off x="744415" y="634948"/>
+            <a:ext cx="10515600" cy="1325563"/>
+          </a:xfrm>
+        </p:spPr>
+        <p:txBody>
+          <a:bodyPr/>
+          <a:lstStyle/>
+          <a:p>
+            <a:pPr algn="ctr"/>
+            <a:r>
+              <a:rPr lang="en-US" dirty="0" err="1">
+                <a:latin typeface="Baskerville Old Face" panose="02020602080505020303" pitchFamily="18" charset="0"/>
+              </a:rPr>
+              <a:t>Glosarium</a:t>
+            </a:r>
+            <a:endParaRPr lang="id-ID" dirty="0">
+              <a:latin typeface="Baskerville Old Face" panose="02020602080505020303" pitchFamily="18" charset="0"/>
+            </a:endParaRPr>
+          </a:p>
+        </p:txBody>
+      </p:sp>
+      <p:sp>
+        <p:nvSpPr>
+          <p:cNvPr id="3" name="Content Placeholder 2"/>
+          <p:cNvSpPr>
+            <a:spLocks noGrp="1"/>
+          </p:cNvSpPr>
+          <p:nvPr>
+            <p:ph idx="1"/>
+          </p:nvPr>
+        </p:nvSpPr>
+        <p:spPr>
+          <a:xfrm>
+            <a:off x="744415" y="1734284"/>
+            <a:ext cx="10515600" cy="4351338"/>
+          </a:xfrm>
+        </p:spPr>
+        <p:txBody>
+          <a:bodyPr>
+            <a:normAutofit fontScale="92500" lnSpcReduction="20000"/>
+          </a:bodyPr>
+          <a:lstStyle/>
+          <a:p>
+            <a:r>
+              <a:rPr lang="en-US" dirty="0">
+                <a:latin typeface="Baskerville Old Face" panose="02020602080505020303" pitchFamily="18" charset="0"/>
+              </a:rPr>
+              <a:t>Bit Plane Slicing : </a:t>
+            </a:r>
+            <a:r>
+              <a:rPr lang="en-US" dirty="0" err="1">
+                <a:latin typeface="Baskerville Old Face" panose="02020602080505020303" pitchFamily="18" charset="0"/>
+              </a:rPr>
+              <a:t>menyoroti</a:t>
+            </a:r>
+            <a:r>
+              <a:rPr lang="en-US" dirty="0">
+                <a:latin typeface="Baskerville Old Face" panose="02020602080505020303" pitchFamily="18" charset="0"/>
+              </a:rPr>
+              <a:t> </a:t>
+            </a:r>
+            <a:r>
+              <a:rPr lang="en-US" dirty="0" err="1">
+                <a:latin typeface="Baskerville Old Face" panose="02020602080505020303" pitchFamily="18" charset="0"/>
+              </a:rPr>
+              <a:t>kontribusi</a:t>
+            </a:r>
+            <a:r>
+              <a:rPr lang="en-US" dirty="0">
+                <a:latin typeface="Baskerville Old Face" panose="02020602080505020303" pitchFamily="18" charset="0"/>
+              </a:rPr>
+              <a:t> yang </a:t>
+            </a:r>
+            <a:r>
+              <a:rPr lang="en-US" dirty="0" err="1">
+                <a:latin typeface="Baskerville Old Face" panose="02020602080505020303" pitchFamily="18" charset="0"/>
+              </a:rPr>
+              <a:t>dibuat</a:t>
+            </a:r>
+            <a:r>
+              <a:rPr lang="en-US" dirty="0">
+                <a:latin typeface="Baskerville Old Face" panose="02020602080505020303" pitchFamily="18" charset="0"/>
+              </a:rPr>
+              <a:t> </a:t>
+            </a:r>
+            <a:r>
+              <a:rPr lang="en-US" dirty="0" err="1">
+                <a:latin typeface="Baskerville Old Face" panose="02020602080505020303" pitchFamily="18" charset="0"/>
+              </a:rPr>
+              <a:t>untuk</a:t>
+            </a:r>
+            <a:r>
+              <a:rPr lang="en-US" dirty="0">
+                <a:latin typeface="Baskerville Old Face" panose="02020602080505020303" pitchFamily="18" charset="0"/>
+              </a:rPr>
+              <a:t> </a:t>
+            </a:r>
+            <a:r>
+              <a:rPr lang="en-US" dirty="0" err="1">
+                <a:latin typeface="Baskerville Old Face" panose="02020602080505020303" pitchFamily="18" charset="0"/>
+              </a:rPr>
+              <a:t>penampilan</a:t>
+            </a:r>
+            <a:r>
+              <a:rPr lang="en-US" dirty="0">
+                <a:latin typeface="Baskerville Old Face" panose="02020602080505020303" pitchFamily="18" charset="0"/>
+              </a:rPr>
+              <a:t> total </a:t>
+            </a:r>
+            <a:r>
+              <a:rPr lang="en-US" dirty="0" err="1">
+                <a:latin typeface="Baskerville Old Face" panose="02020602080505020303" pitchFamily="18" charset="0"/>
+              </a:rPr>
+              <a:t>pada</a:t>
+            </a:r>
+            <a:r>
+              <a:rPr lang="en-US" dirty="0">
+                <a:latin typeface="Baskerville Old Face" panose="02020602080505020303" pitchFamily="18" charset="0"/>
+              </a:rPr>
+              <a:t> </a:t>
+            </a:r>
+            <a:r>
+              <a:rPr lang="en-US" dirty="0" err="1">
+                <a:latin typeface="Baskerville Old Face" panose="02020602080505020303" pitchFamily="18" charset="0"/>
+              </a:rPr>
+              <a:t>suatu</a:t>
+            </a:r>
+            <a:r>
+              <a:rPr lang="en-US" dirty="0">
+                <a:latin typeface="Baskerville Old Face" panose="02020602080505020303" pitchFamily="18" charset="0"/>
+              </a:rPr>
+              <a:t> </a:t>
+            </a:r>
+            <a:r>
+              <a:rPr lang="en-US" dirty="0" err="1">
+                <a:latin typeface="Baskerville Old Face" panose="02020602080505020303" pitchFamily="18" charset="0"/>
+              </a:rPr>
+              <a:t>gabar</a:t>
+            </a:r>
+            <a:r>
+              <a:rPr lang="en-US" dirty="0">
+                <a:latin typeface="Baskerville Old Face" panose="02020602080505020303" pitchFamily="18" charset="0"/>
+              </a:rPr>
+              <a:t> </a:t>
+            </a:r>
+            <a:r>
+              <a:rPr lang="en-US" dirty="0" err="1">
+                <a:latin typeface="Baskerville Old Face" panose="02020602080505020303" pitchFamily="18" charset="0"/>
+              </a:rPr>
+              <a:t>dengan</a:t>
+            </a:r>
+            <a:r>
+              <a:rPr lang="en-US" dirty="0">
+                <a:latin typeface="Baskerville Old Face" panose="02020602080505020303" pitchFamily="18" charset="0"/>
+              </a:rPr>
+              <a:t> bit </a:t>
+            </a:r>
+            <a:r>
+              <a:rPr lang="en-US" dirty="0" err="1">
+                <a:latin typeface="Baskerville Old Face" panose="02020602080505020303" pitchFamily="18" charset="0"/>
+              </a:rPr>
+              <a:t>tertentu</a:t>
+            </a:r>
+            <a:endParaRPr lang="en-US" dirty="0">
+              <a:latin typeface="Baskerville Old Face" panose="02020602080505020303" pitchFamily="18" charset="0"/>
+            </a:endParaRPr>
+          </a:p>
+          <a:p>
+            <a:r>
+              <a:rPr lang="en-US" dirty="0">
+                <a:latin typeface="Baskerville Old Face" panose="02020602080505020303" pitchFamily="18" charset="0"/>
+              </a:rPr>
+              <a:t>Median blur : </a:t>
+            </a:r>
+            <a:r>
+              <a:rPr lang="id-ID" dirty="0">
+                <a:latin typeface="Baskerville Old Face" panose="02020602080505020303" pitchFamily="18" charset="0"/>
+              </a:rPr>
+              <a:t>salah satu filtering non-linear yang mengurutkan nilai intensitas sekelompok pixel, kemudian mengganti nilai pixel yang diproses dengan nilai mediannya</a:t>
+            </a:r>
+            <a:r>
+              <a:rPr lang="en-US" dirty="0">
+                <a:latin typeface="Baskerville Old Face" panose="02020602080505020303" pitchFamily="18" charset="0"/>
+              </a:rPr>
+              <a:t>.</a:t>
+            </a:r>
+          </a:p>
+          <a:p>
+            <a:r>
+              <a:rPr lang="sv-SE" dirty="0">
+                <a:latin typeface="Baskerville Old Face" panose="02020602080505020303" pitchFamily="18" charset="0"/>
+              </a:rPr>
+              <a:t>Edge detection :  mendeteksi semua edge atau garis-garis yangmembentuk objek gambar dan akan memperjelas kembali pada bagian-bagian tersebut. </a:t>
+            </a:r>
+          </a:p>
+          <a:p>
+            <a:r>
+              <a:rPr lang="id-ID" dirty="0">
+                <a:latin typeface="Baskerville Old Face" panose="02020602080505020303" pitchFamily="18" charset="0"/>
+              </a:rPr>
+              <a:t>Canny edge detection</a:t>
+            </a:r>
+            <a:r>
+              <a:rPr lang="en-US" dirty="0">
+                <a:latin typeface="Baskerville Old Face" panose="02020602080505020303" pitchFamily="18" charset="0"/>
+              </a:rPr>
+              <a:t> :</a:t>
+            </a:r>
+            <a:r>
+              <a:rPr lang="id-ID" dirty="0">
+                <a:latin typeface="Baskerville Old Face" panose="02020602080505020303" pitchFamily="18" charset="0"/>
+              </a:rPr>
+              <a:t> pengembangan dari metode dasar edge detection. Perancangan sebuah prosedur</a:t>
+            </a:r>
+            <a:r>
+              <a:rPr lang="en-US" dirty="0">
+                <a:latin typeface="Baskerville Old Face" panose="02020602080505020303" pitchFamily="18" charset="0"/>
+              </a:rPr>
+              <a:t> </a:t>
+            </a:r>
+            <a:r>
+              <a:rPr lang="id-ID" dirty="0">
+                <a:latin typeface="Baskerville Old Face" panose="02020602080505020303" pitchFamily="18" charset="0"/>
+              </a:rPr>
+              <a:t>dengan menerapkan langkah-langkah metode Canny edge detection akan menghasilkan</a:t>
+            </a:r>
+            <a:r>
+              <a:rPr lang="en-US" dirty="0">
+                <a:latin typeface="Baskerville Old Face" panose="02020602080505020303" pitchFamily="18" charset="0"/>
+              </a:rPr>
+              <a:t> </a:t>
+            </a:r>
+            <a:r>
+              <a:rPr lang="id-ID" dirty="0">
+                <a:latin typeface="Baskerville Old Face" panose="02020602080505020303" pitchFamily="18" charset="0"/>
+              </a:rPr>
+              <a:t>sebuah tampilan gambar yang berbeda dengan menampilkan</a:t>
+            </a:r>
+            <a:r>
+              <a:rPr lang="en-US" dirty="0">
+                <a:latin typeface="Baskerville Old Face" panose="02020602080505020303" pitchFamily="18" charset="0"/>
+              </a:rPr>
+              <a:t> </a:t>
+            </a:r>
+            <a:r>
+              <a:rPr lang="id-ID" dirty="0">
+                <a:latin typeface="Baskerville Old Face" panose="02020602080505020303" pitchFamily="18" charset="0"/>
+              </a:rPr>
+              <a:t>efek relief didalamnya.</a:t>
+            </a:r>
+            <a:endParaRPr lang="en-US" dirty="0">
+              <a:latin typeface="Baskerville Old Face" panose="02020602080505020303" pitchFamily="18" charset="0"/>
+            </a:endParaRPr>
+          </a:p>
+          <a:p>
+            <a:endParaRPr lang="en-US" dirty="0">
+              <a:latin typeface="Baskerville Old Face" panose="02020602080505020303" pitchFamily="18" charset="0"/>
+            </a:endParaRPr>
+          </a:p>
+          <a:p>
+            <a:endParaRPr lang="en-US" dirty="0">
+              <a:latin typeface="Baskerville Old Face" panose="02020602080505020303" pitchFamily="18" charset="0"/>
+            </a:endParaRPr>
+          </a:p>
+          <a:p>
+            <a:endParaRPr lang="id-ID" dirty="0">
+              <a:latin typeface="Baskerville Old Face" panose="02020602080505020303" pitchFamily="18" charset="0"/>
+            </a:endParaRPr>
+          </a:p>
+        </p:txBody>
+      </p:sp>
+    </p:spTree>
+    <p:extLst>
+      <p:ext uri="{BB962C8B-B14F-4D97-AF65-F5344CB8AC3E}">
+        <p14:creationId xmlns:p14="http://schemas.microsoft.com/office/powerpoint/2010/main" val="2624832910"/>
+      </p:ext>
+    </p:extLst>
+  </p:cSld>
+  <p:clrMapOvr>
+    <a:masterClrMapping/>
+  </p:clrMapOvr>
+</p:sld>
+</file>
+
+<file path=ppt/slides/slide6.xml><?xml version="1.0" encoding="utf-8"?>
+<p:sld xmlns:a="http://schemas.openxmlformats.org/drawingml/2006/main" xmlns:r="http://schemas.openxmlformats.org/officeDocument/2006/relationships" xmlns:p="http://schemas.openxmlformats.org/presentationml/2006/main">
+  <p:cSld>
+    <p:bg>
+      <p:bgPr>
+        <a:blipFill dpi="0" rotWithShape="1">
+          <a:blip r:embed="rId2">
+            <a:lum/>
+          </a:blip>
+          <a:srcRect/>
+          <a:stretch>
+            <a:fillRect t="-17000" b="-17000"/>
+          </a:stretch>
+        </a:blipFill>
+        <a:effectLst/>
+      </p:bgPr>
+    </p:bg>
+    <p:spTree>
+      <p:nvGrpSpPr>
+        <p:cNvPr id="1" name=""/>
+        <p:cNvGrpSpPr/>
+        <p:nvPr/>
+      </p:nvGrpSpPr>
+      <p:grpSpPr>
+        <a:xfrm>
+          <a:off x="0" y="0"/>
+          <a:ext cx="0" cy="0"/>
+          <a:chOff x="0" y="0"/>
+          <a:chExt cx="0" cy="0"/>
+        </a:xfrm>
+      </p:grpSpPr>
+      <p:sp>
+        <p:nvSpPr>
+          <p:cNvPr id="3" name="Content Placeholder 2"/>
+          <p:cNvSpPr>
+            <a:spLocks noGrp="1"/>
+          </p:cNvSpPr>
+          <p:nvPr>
+            <p:ph idx="1"/>
+          </p:nvPr>
+        </p:nvSpPr>
+        <p:spPr>
+          <a:xfrm>
+            <a:off x="791308" y="1344979"/>
+            <a:ext cx="10515600" cy="4351338"/>
+          </a:xfrm>
+        </p:spPr>
+        <p:txBody>
+          <a:bodyPr/>
+          <a:lstStyle/>
+          <a:p>
+            <a:r>
+              <a:rPr lang="id-ID" dirty="0">
+                <a:latin typeface="Baskerville Old Face" panose="02020602080505020303" pitchFamily="18" charset="0"/>
+              </a:rPr>
+              <a:t>Dilation </a:t>
+            </a:r>
+            <a:r>
+              <a:rPr lang="en-US" dirty="0">
+                <a:latin typeface="Baskerville Old Face" panose="02020602080505020303" pitchFamily="18" charset="0"/>
+              </a:rPr>
+              <a:t>: </a:t>
+            </a:r>
+            <a:r>
+              <a:rPr lang="id-ID" dirty="0">
+                <a:latin typeface="Baskerville Old Face" panose="02020602080505020303" pitchFamily="18" charset="0"/>
+              </a:rPr>
+              <a:t>suatu proses menambahkan piksel pada batasan objek dalam suatu citra sihingga apabila dilakukan operasi maka citra hasilnya akan lebih besar ukurannya dibandingkan dengan citra aslinya.</a:t>
+            </a:r>
+            <a:endParaRPr lang="en-US" dirty="0">
+              <a:latin typeface="Baskerville Old Face" panose="02020602080505020303" pitchFamily="18" charset="0"/>
+            </a:endParaRPr>
+          </a:p>
+          <a:p>
+            <a:r>
+              <a:rPr lang="en-US" dirty="0">
+                <a:latin typeface="Baskerville Old Face" panose="02020602080505020303" pitchFamily="18" charset="0"/>
+              </a:rPr>
+              <a:t>Erosion : p</a:t>
+            </a:r>
+            <a:r>
+              <a:rPr lang="id-ID" dirty="0">
+                <a:latin typeface="Baskerville Old Face" panose="02020602080505020303" pitchFamily="18" charset="0"/>
+              </a:rPr>
+              <a:t>roses ini akan membuat ukuran sebuah citra menjadi lebih kecil. Erotion akan memindahkan piksel pada batasan-batasan objek yang akan di erotion. Pada dilation ataupun erotion, jumlah piksel yang ditambah atau dihilangkan bergantung pada ukuran dan bentuk </a:t>
+            </a:r>
+            <a:r>
+              <a:rPr lang="id-ID" i="1" dirty="0">
+                <a:latin typeface="Baskerville Old Face" panose="02020602080505020303" pitchFamily="18" charset="0"/>
+              </a:rPr>
+              <a:t>structuring element</a:t>
+            </a:r>
+            <a:r>
+              <a:rPr lang="id-ID" dirty="0">
+                <a:latin typeface="Baskerville Old Face" panose="02020602080505020303" pitchFamily="18" charset="0"/>
+              </a:rPr>
+              <a:t> yang digunakan untuk memproses citra tersebut.</a:t>
+            </a:r>
+            <a:endParaRPr lang="en-US" dirty="0">
+              <a:latin typeface="Baskerville Old Face" panose="02020602080505020303" pitchFamily="18" charset="0"/>
+            </a:endParaRPr>
+          </a:p>
+          <a:p>
+            <a:endParaRPr lang="id-ID" dirty="0">
+              <a:latin typeface="Baskerville Old Face" panose="02020602080505020303" pitchFamily="18" charset="0"/>
+            </a:endParaRPr>
+          </a:p>
+        </p:txBody>
+      </p:sp>
+    </p:spTree>
+    <p:extLst>
+      <p:ext uri="{BB962C8B-B14F-4D97-AF65-F5344CB8AC3E}">
+        <p14:creationId xmlns:p14="http://schemas.microsoft.com/office/powerpoint/2010/main" val="4102592250"/>
       </p:ext>
     </p:extLst>
   </p:cSld>

--- a/Lung Comparison Image Processing.pptx
+++ b/Lung Comparison Image Processing.pptx
@@ -4153,7 +4153,79 @@
               <a:rPr lang="en-US" dirty="0">
                 <a:latin typeface="Baskerville Old Face" panose="02020602080505020303" pitchFamily="18" charset="0"/>
               </a:rPr>
-              <a:t> agar </a:t>
+              <a:t> </a:t>
+            </a:r>
+            <a:r>
+              <a:rPr lang="en-US" dirty="0" err="1">
+                <a:latin typeface="Baskerville Old Face" panose="02020602080505020303" pitchFamily="18" charset="0"/>
+              </a:rPr>
+              <a:t>khususnya</a:t>
+            </a:r>
+            <a:r>
+              <a:rPr lang="en-US" dirty="0">
+                <a:latin typeface="Baskerville Old Face" panose="02020602080505020303" pitchFamily="18" charset="0"/>
+              </a:rPr>
+              <a:t> </a:t>
+            </a:r>
+            <a:r>
+              <a:rPr lang="en-US" dirty="0" err="1">
+                <a:latin typeface="Baskerville Old Face" panose="02020602080505020303" pitchFamily="18" charset="0"/>
+              </a:rPr>
+              <a:t>pendeteksian</a:t>
+            </a:r>
+            <a:r>
+              <a:rPr lang="en-US" dirty="0">
+                <a:latin typeface="Baskerville Old Face" panose="02020602080505020303" pitchFamily="18" charset="0"/>
+              </a:rPr>
+              <a:t> </a:t>
+            </a:r>
+            <a:r>
+              <a:rPr lang="en-US" dirty="0" err="1">
+                <a:latin typeface="Baskerville Old Face" panose="02020602080505020303" pitchFamily="18" charset="0"/>
+              </a:rPr>
+              <a:t>ke</a:t>
+            </a:r>
+            <a:r>
+              <a:rPr lang="en-US" dirty="0">
+                <a:latin typeface="Baskerville Old Face" panose="02020602080505020303" pitchFamily="18" charset="0"/>
+              </a:rPr>
+              <a:t> </a:t>
+            </a:r>
+            <a:r>
+              <a:rPr lang="en-US" dirty="0" err="1">
+                <a:latin typeface="Baskerville Old Face" panose="02020602080505020303" pitchFamily="18" charset="0"/>
+              </a:rPr>
+              <a:t>abnormalan</a:t>
+            </a:r>
+            <a:r>
+              <a:rPr lang="en-US" dirty="0">
+                <a:latin typeface="Baskerville Old Face" panose="02020602080505020303" pitchFamily="18" charset="0"/>
+              </a:rPr>
+              <a:t> </a:t>
+            </a:r>
+            <a:r>
+              <a:rPr lang="en-US" dirty="0" err="1">
+                <a:latin typeface="Baskerville Old Face" panose="02020602080505020303" pitchFamily="18" charset="0"/>
+              </a:rPr>
+              <a:t>pada</a:t>
+            </a:r>
+            <a:r>
+              <a:rPr lang="en-US" dirty="0">
+                <a:latin typeface="Baskerville Old Face" panose="02020602080505020303" pitchFamily="18" charset="0"/>
+              </a:rPr>
+              <a:t> </a:t>
+            </a:r>
+            <a:r>
+              <a:rPr lang="en-US">
+                <a:latin typeface="Baskerville Old Face" panose="02020602080505020303" pitchFamily="18" charset="0"/>
+              </a:rPr>
+              <a:t>paru-paru </a:t>
+            </a:r>
+            <a:r>
+              <a:rPr lang="en-US" dirty="0">
+                <a:latin typeface="Baskerville Old Face" panose="02020602080505020303" pitchFamily="18" charset="0"/>
+              </a:rPr>
+              <a:t>agar </a:t>
             </a:r>
             <a:r>
               <a:rPr lang="en-US" dirty="0" err="1">

--- a/Lung Comparison Image Processing.pptx
+++ b/Lung Comparison Image Processing.pptx
@@ -4216,16 +4216,16 @@
               <a:t> </a:t>
             </a:r>
             <a:r>
-              <a:rPr lang="en-US">
-                <a:latin typeface="Baskerville Old Face" panose="02020602080505020303" pitchFamily="18" charset="0"/>
-              </a:rPr>
-              <a:t>paru-paru </a:t>
-            </a:r>
-            <a:r>
-              <a:rPr lang="en-US" dirty="0">
-                <a:latin typeface="Baskerville Old Face" panose="02020602080505020303" pitchFamily="18" charset="0"/>
-              </a:rPr>
-              <a:t>agar </a:t>
+              <a:rPr lang="en-US" dirty="0" err="1">
+                <a:latin typeface="Baskerville Old Face" panose="02020602080505020303" pitchFamily="18" charset="0"/>
+              </a:rPr>
+              <a:t>paru-paru</a:t>
+            </a:r>
+            <a:r>
+              <a:rPr lang="en-US" dirty="0">
+                <a:latin typeface="Baskerville Old Face" panose="02020602080505020303" pitchFamily="18" charset="0"/>
+              </a:rPr>
+              <a:t> agar </a:t>
             </a:r>
             <a:r>
               <a:rPr lang="en-US" dirty="0" err="1">

--- a/Lung Comparison Image Processing.pptx
+++ b/Lung Comparison Image Processing.pptx
@@ -11,6 +11,9 @@
     <p:sldId id="258" r:id="rId5"/>
     <p:sldId id="260" r:id="rId6"/>
     <p:sldId id="261" r:id="rId7"/>
+    <p:sldId id="262" r:id="rId8"/>
+    <p:sldId id="263" r:id="rId9"/>
+    <p:sldId id="264" r:id="rId10"/>
   </p:sldIdLst>
   <p:sldSz cx="12192000" cy="6858000"/>
   <p:notesSz cx="6858000" cy="9144000"/>
@@ -3288,7 +3291,19 @@
               <a:rPr lang="id-ID" dirty="0">
                 <a:latin typeface="Baskerville Old Face" panose="02020602080505020303" pitchFamily="18" charset="0"/>
               </a:rPr>
-              <a:t> brightness editing, contrass stretching, rotating, grayscalling, color manipulation dan lain</a:t>
+              <a:t> brightness editing, contras</a:t>
+            </a:r>
+            <a:r>
+              <a:rPr lang="en-US" dirty="0">
+                <a:latin typeface="Baskerville Old Face" panose="02020602080505020303" pitchFamily="18" charset="0"/>
+              </a:rPr>
+              <a:t>t</a:t>
+            </a:r>
+            <a:r>
+              <a:rPr lang="id-ID" dirty="0">
+                <a:latin typeface="Baskerville Old Face" panose="02020602080505020303" pitchFamily="18" charset="0"/>
+              </a:rPr>
+              <a:t> stretching, rotating, grayscalling, color manipulation dan lain</a:t>
             </a:r>
             <a:r>
               <a:rPr lang="en-US" dirty="0">
@@ -4562,7 +4577,7 @@
         </p:spPr>
         <p:txBody>
           <a:bodyPr>
-            <a:normAutofit fontScale="92500" lnSpcReduction="20000"/>
+            <a:normAutofit/>
           </a:bodyPr>
           <a:lstStyle/>
           <a:p>
@@ -4686,9 +4701,120 @@
               </a:rPr>
               <a:t>tertentu</a:t>
             </a:r>
-            <a:endParaRPr lang="en-US" dirty="0">
-              <a:latin typeface="Baskerville Old Face" panose="02020602080505020303" pitchFamily="18" charset="0"/>
-            </a:endParaRPr>
+            <a:r>
+              <a:rPr lang="en-US" dirty="0">
+                <a:latin typeface="Baskerville Old Face" panose="02020602080505020303" pitchFamily="18" charset="0"/>
+              </a:rPr>
+              <a:t>. </a:t>
+            </a:r>
+            <a:r>
+              <a:rPr lang="en-US" dirty="0" err="1">
+                <a:latin typeface="Baskerville Old Face" panose="02020602080505020303" pitchFamily="18" charset="0"/>
+              </a:rPr>
+              <a:t>Digunakan</a:t>
+            </a:r>
+            <a:r>
+              <a:rPr lang="en-US" dirty="0">
+                <a:latin typeface="Baskerville Old Face" panose="02020602080505020303" pitchFamily="18" charset="0"/>
+              </a:rPr>
+              <a:t> </a:t>
+            </a:r>
+            <a:r>
+              <a:rPr lang="en-US" dirty="0" err="1">
+                <a:latin typeface="Baskerville Old Face" panose="02020602080505020303" pitchFamily="18" charset="0"/>
+              </a:rPr>
+              <a:t>untuk</a:t>
+            </a:r>
+            <a:r>
+              <a:rPr lang="en-US" dirty="0">
+                <a:latin typeface="Baskerville Old Face" panose="02020602080505020303" pitchFamily="18" charset="0"/>
+              </a:rPr>
+              <a:t> </a:t>
+            </a:r>
+            <a:r>
+              <a:rPr lang="en-US" dirty="0" err="1">
+                <a:latin typeface="Baskerville Old Face" panose="02020602080505020303" pitchFamily="18" charset="0"/>
+              </a:rPr>
+              <a:t>mengisolasi</a:t>
+            </a:r>
+            <a:r>
+              <a:rPr lang="en-US" dirty="0">
+                <a:latin typeface="Baskerville Old Face" panose="02020602080505020303" pitchFamily="18" charset="0"/>
+              </a:rPr>
+              <a:t> </a:t>
+            </a:r>
+            <a:r>
+              <a:rPr lang="en-US" dirty="0" err="1">
+                <a:latin typeface="Baskerville Old Face" panose="02020602080505020303" pitchFamily="18" charset="0"/>
+              </a:rPr>
+              <a:t>gambar</a:t>
+            </a:r>
+            <a:r>
+              <a:rPr lang="en-US" dirty="0">
+                <a:latin typeface="Baskerville Old Face" panose="02020602080505020303" pitchFamily="18" charset="0"/>
+              </a:rPr>
+              <a:t> </a:t>
+            </a:r>
+            <a:r>
+              <a:rPr lang="en-US" dirty="0" err="1">
+                <a:latin typeface="Baskerville Old Face" panose="02020602080505020303" pitchFamily="18" charset="0"/>
+              </a:rPr>
+              <a:t>asli</a:t>
+            </a:r>
+            <a:r>
+              <a:rPr lang="en-US" dirty="0">
+                <a:latin typeface="Baskerville Old Face" panose="02020602080505020303" pitchFamily="18" charset="0"/>
+              </a:rPr>
+              <a:t> </a:t>
+            </a:r>
+            <a:r>
+              <a:rPr lang="en-US" dirty="0" err="1">
+                <a:latin typeface="Baskerville Old Face" panose="02020602080505020303" pitchFamily="18" charset="0"/>
+              </a:rPr>
+              <a:t>dan</a:t>
+            </a:r>
+            <a:r>
+              <a:rPr lang="en-US" dirty="0">
+                <a:latin typeface="Baskerville Old Face" panose="02020602080505020303" pitchFamily="18" charset="0"/>
+              </a:rPr>
+              <a:t> </a:t>
+            </a:r>
+            <a:r>
+              <a:rPr lang="en-US" dirty="0" err="1">
+                <a:latin typeface="Baskerville Old Face" panose="02020602080505020303" pitchFamily="18" charset="0"/>
+              </a:rPr>
+              <a:t>mendapatkan</a:t>
+            </a:r>
+            <a:r>
+              <a:rPr lang="en-US" dirty="0">
+                <a:latin typeface="Baskerville Old Face" panose="02020602080505020303" pitchFamily="18" charset="0"/>
+              </a:rPr>
+              <a:t> </a:t>
+            </a:r>
+            <a:r>
+              <a:rPr lang="en-US" dirty="0" err="1">
+                <a:latin typeface="Baskerville Old Face" panose="02020602080505020303" pitchFamily="18" charset="0"/>
+              </a:rPr>
+              <a:t>gambar</a:t>
+            </a:r>
+            <a:r>
+              <a:rPr lang="en-US" dirty="0">
+                <a:latin typeface="Baskerville Old Face" panose="02020602080505020303" pitchFamily="18" charset="0"/>
+              </a:rPr>
+              <a:t> </a:t>
+            </a:r>
+            <a:r>
+              <a:rPr lang="en-US" dirty="0" err="1">
+                <a:latin typeface="Baskerville Old Face" panose="02020602080505020303" pitchFamily="18" charset="0"/>
+              </a:rPr>
+              <a:t>dalam</a:t>
+            </a:r>
+            <a:r>
+              <a:rPr lang="en-US" dirty="0">
+                <a:latin typeface="Baskerville Old Face" panose="02020602080505020303" pitchFamily="18" charset="0"/>
+              </a:rPr>
+              <a:t> data black &amp; white.</a:t>
+            </a:r>
           </a:p>
           <a:p>
             <a:r>
@@ -4707,77 +4833,109 @@
               <a:rPr lang="en-US" dirty="0">
                 <a:latin typeface="Baskerville Old Face" panose="02020602080505020303" pitchFamily="18" charset="0"/>
               </a:rPr>
+              <a:t>. </a:t>
+            </a:r>
+            <a:r>
+              <a:rPr lang="en-US" dirty="0" err="1">
+                <a:latin typeface="Baskerville Old Face" panose="02020602080505020303" pitchFamily="18" charset="0"/>
+              </a:rPr>
+              <a:t>Digunakan</a:t>
+            </a:r>
+            <a:r>
+              <a:rPr lang="en-US" dirty="0">
+                <a:latin typeface="Baskerville Old Face" panose="02020602080505020303" pitchFamily="18" charset="0"/>
+              </a:rPr>
+              <a:t> </a:t>
+            </a:r>
+            <a:r>
+              <a:rPr lang="en-US" dirty="0" err="1">
+                <a:latin typeface="Baskerville Old Face" panose="02020602080505020303" pitchFamily="18" charset="0"/>
+              </a:rPr>
+              <a:t>untuk</a:t>
+            </a:r>
+            <a:r>
+              <a:rPr lang="en-US" dirty="0">
+                <a:latin typeface="Baskerville Old Face" panose="02020602080505020303" pitchFamily="18" charset="0"/>
+              </a:rPr>
+              <a:t> </a:t>
+            </a:r>
+            <a:r>
+              <a:rPr lang="en-US" dirty="0" err="1">
+                <a:latin typeface="Baskerville Old Face" panose="02020602080505020303" pitchFamily="18" charset="0"/>
+              </a:rPr>
+              <a:t>manfaat</a:t>
+            </a:r>
+            <a:r>
+              <a:rPr lang="en-US" dirty="0">
+                <a:latin typeface="Baskerville Old Face" panose="02020602080505020303" pitchFamily="18" charset="0"/>
+              </a:rPr>
+              <a:t> </a:t>
+            </a:r>
+            <a:r>
+              <a:rPr lang="en-US" dirty="0" err="1">
+                <a:latin typeface="Baskerville Old Face" panose="02020602080505020303" pitchFamily="18" charset="0"/>
+              </a:rPr>
+              <a:t>mengurangi</a:t>
+            </a:r>
+            <a:r>
+              <a:rPr lang="en-US" dirty="0">
+                <a:latin typeface="Baskerville Old Face" panose="02020602080505020303" pitchFamily="18" charset="0"/>
+              </a:rPr>
+              <a:t> noise </a:t>
+            </a:r>
+            <a:r>
+              <a:rPr lang="en-US" dirty="0" err="1">
+                <a:latin typeface="Baskerville Old Face" panose="02020602080505020303" pitchFamily="18" charset="0"/>
+              </a:rPr>
+              <a:t>serta</a:t>
+            </a:r>
+            <a:r>
+              <a:rPr lang="en-US" dirty="0">
+                <a:latin typeface="Baskerville Old Face" panose="02020602080505020303" pitchFamily="18" charset="0"/>
+              </a:rPr>
+              <a:t> </a:t>
+            </a:r>
+            <a:r>
+              <a:rPr lang="en-US" dirty="0" err="1">
+                <a:latin typeface="Baskerville Old Face" panose="02020602080505020303" pitchFamily="18" charset="0"/>
+              </a:rPr>
+              <a:t>memperhalus</a:t>
+            </a:r>
+            <a:r>
+              <a:rPr lang="en-US" dirty="0">
+                <a:latin typeface="Baskerville Old Face" panose="02020602080505020303" pitchFamily="18" charset="0"/>
+              </a:rPr>
+              <a:t> </a:t>
+            </a:r>
+            <a:r>
+              <a:rPr lang="en-US" dirty="0" err="1">
+                <a:latin typeface="Baskerville Old Face" panose="02020602080505020303" pitchFamily="18" charset="0"/>
+              </a:rPr>
+              <a:t>pendeteksian</a:t>
+            </a:r>
+            <a:r>
+              <a:rPr lang="en-US" dirty="0">
+                <a:latin typeface="Baskerville Old Face" panose="02020602080505020303" pitchFamily="18" charset="0"/>
+              </a:rPr>
+              <a:t> </a:t>
+            </a:r>
+            <a:r>
+              <a:rPr lang="en-US" dirty="0" err="1">
+                <a:latin typeface="Baskerville Old Face" panose="02020602080505020303" pitchFamily="18" charset="0"/>
+              </a:rPr>
+              <a:t>gambar</a:t>
+            </a:r>
+            <a:r>
+              <a:rPr lang="en-US" dirty="0">
+                <a:latin typeface="Baskerville Old Face" panose="02020602080505020303" pitchFamily="18" charset="0"/>
+              </a:rPr>
               <a:t>.</a:t>
             </a:r>
           </a:p>
           <a:p>
-            <a:r>
-              <a:rPr lang="sv-SE" dirty="0">
-                <a:latin typeface="Baskerville Old Face" panose="02020602080505020303" pitchFamily="18" charset="0"/>
-              </a:rPr>
-              <a:t>Edge detection :  mendeteksi semua edge atau garis-garis yangmembentuk objek gambar dan akan memperjelas kembali pada bagian-bagian tersebut. </a:t>
-            </a:r>
-          </a:p>
-          <a:p>
-            <a:r>
-              <a:rPr lang="id-ID" dirty="0">
-                <a:latin typeface="Baskerville Old Face" panose="02020602080505020303" pitchFamily="18" charset="0"/>
-              </a:rPr>
-              <a:t>Canny edge detection</a:t>
-            </a:r>
-            <a:r>
-              <a:rPr lang="en-US" dirty="0">
-                <a:latin typeface="Baskerville Old Face" panose="02020602080505020303" pitchFamily="18" charset="0"/>
-              </a:rPr>
-              <a:t> :</a:t>
-            </a:r>
-            <a:r>
-              <a:rPr lang="id-ID" dirty="0">
-                <a:latin typeface="Baskerville Old Face" panose="02020602080505020303" pitchFamily="18" charset="0"/>
-              </a:rPr>
-              <a:t> pengembangan dari metode dasar edge detection. Perancangan sebuah prosedur</a:t>
-            </a:r>
-            <a:r>
-              <a:rPr lang="en-US" dirty="0">
-                <a:latin typeface="Baskerville Old Face" panose="02020602080505020303" pitchFamily="18" charset="0"/>
-              </a:rPr>
-              <a:t> </a:t>
-            </a:r>
-            <a:r>
-              <a:rPr lang="id-ID" dirty="0">
-                <a:latin typeface="Baskerville Old Face" panose="02020602080505020303" pitchFamily="18" charset="0"/>
-              </a:rPr>
-              <a:t>dengan menerapkan langkah-langkah metode Canny edge detection akan menghasilkan</a:t>
-            </a:r>
-            <a:r>
-              <a:rPr lang="en-US" dirty="0">
-                <a:latin typeface="Baskerville Old Face" panose="02020602080505020303" pitchFamily="18" charset="0"/>
-              </a:rPr>
-              <a:t> </a:t>
-            </a:r>
-            <a:r>
-              <a:rPr lang="id-ID" dirty="0">
-                <a:latin typeface="Baskerville Old Face" panose="02020602080505020303" pitchFamily="18" charset="0"/>
-              </a:rPr>
-              <a:t>sebuah tampilan gambar yang berbeda dengan menampilkan</a:t>
-            </a:r>
-            <a:r>
-              <a:rPr lang="en-US" dirty="0">
-                <a:latin typeface="Baskerville Old Face" panose="02020602080505020303" pitchFamily="18" charset="0"/>
-              </a:rPr>
-              <a:t> </a:t>
-            </a:r>
-            <a:r>
-              <a:rPr lang="id-ID" dirty="0">
-                <a:latin typeface="Baskerville Old Face" panose="02020602080505020303" pitchFamily="18" charset="0"/>
-              </a:rPr>
-              <a:t>efek relief didalamnya.</a:t>
-            </a:r>
-            <a:endParaRPr lang="en-US" dirty="0">
-              <a:latin typeface="Baskerville Old Face" panose="02020602080505020303" pitchFamily="18" charset="0"/>
-            </a:endParaRPr>
-          </a:p>
-          <a:p>
+            <a:pPr marL="0" indent="0">
+              <a:buNone/>
+            </a:pPr>
             <a:endParaRPr lang="en-US" dirty="0">
               <a:latin typeface="Baskerville Old Face" panose="02020602080505020303" pitchFamily="18" charset="0"/>
             </a:endParaRPr>
@@ -4920,6 +5078,471 @@
     <p:extLst>
       <p:ext uri="{BB962C8B-B14F-4D97-AF65-F5344CB8AC3E}">
         <p14:creationId xmlns:p14="http://schemas.microsoft.com/office/powerpoint/2010/main" val="4102592250"/>
+      </p:ext>
+    </p:extLst>
+  </p:cSld>
+  <p:clrMapOvr>
+    <a:masterClrMapping/>
+  </p:clrMapOvr>
+</p:sld>
+</file>
+
+<file path=ppt/slides/slide7.xml><?xml version="1.0" encoding="utf-8"?>
+<p:sld xmlns:a="http://schemas.openxmlformats.org/drawingml/2006/main" xmlns:r="http://schemas.openxmlformats.org/officeDocument/2006/relationships" xmlns:p="http://schemas.openxmlformats.org/presentationml/2006/main">
+  <p:cSld>
+    <p:bg>
+      <p:bgPr>
+        <a:blipFill dpi="0" rotWithShape="1">
+          <a:blip r:embed="rId2">
+            <a:lum/>
+          </a:blip>
+          <a:srcRect/>
+          <a:stretch>
+            <a:fillRect t="-17000" b="-17000"/>
+          </a:stretch>
+        </a:blipFill>
+        <a:effectLst/>
+      </p:bgPr>
+    </p:bg>
+    <p:spTree>
+      <p:nvGrpSpPr>
+        <p:cNvPr id="1" name=""/>
+        <p:cNvGrpSpPr/>
+        <p:nvPr/>
+      </p:nvGrpSpPr>
+      <p:grpSpPr>
+        <a:xfrm>
+          <a:off x="0" y="0"/>
+          <a:ext cx="0" cy="0"/>
+          <a:chOff x="0" y="0"/>
+          <a:chExt cx="0" cy="0"/>
+        </a:xfrm>
+      </p:grpSpPr>
+      <p:sp>
+        <p:nvSpPr>
+          <p:cNvPr id="3" name="Content Placeholder 2"/>
+          <p:cNvSpPr>
+            <a:spLocks noGrp="1"/>
+          </p:cNvSpPr>
+          <p:nvPr>
+            <p:ph idx="1"/>
+          </p:nvPr>
+        </p:nvSpPr>
+        <p:spPr>
+          <a:xfrm>
+            <a:off x="791308" y="1344979"/>
+            <a:ext cx="10515600" cy="4351338"/>
+          </a:xfrm>
+        </p:spPr>
+        <p:txBody>
+          <a:bodyPr/>
+          <a:lstStyle/>
+          <a:p>
+            <a:pPr marL="0" indent="0" algn="ctr">
+              <a:buNone/>
+            </a:pPr>
+            <a:r>
+              <a:rPr lang="en-US" dirty="0">
+                <a:latin typeface="Baskerville Old Face" panose="02020602080505020303" pitchFamily="18" charset="0"/>
+              </a:rPr>
+              <a:t>Screenshot </a:t>
+            </a:r>
+            <a:r>
+              <a:rPr lang="en-US" dirty="0" err="1">
+                <a:latin typeface="Baskerville Old Face" panose="02020602080505020303" pitchFamily="18" charset="0"/>
+              </a:rPr>
+              <a:t>hasil</a:t>
+            </a:r>
+            <a:endParaRPr lang="id-ID" dirty="0">
+              <a:latin typeface="Baskerville Old Face" panose="02020602080505020303" pitchFamily="18" charset="0"/>
+            </a:endParaRPr>
+          </a:p>
+        </p:txBody>
+      </p:sp>
+      <p:pic>
+        <p:nvPicPr>
+          <p:cNvPr id="2" name="Picture 1"/>
+          <p:cNvPicPr>
+            <a:picLocks noChangeAspect="1"/>
+          </p:cNvPicPr>
+          <p:nvPr/>
+        </p:nvPicPr>
+        <p:blipFill>
+          <a:blip r:embed="rId3">
+            <a:extLst>
+              <a:ext uri="{28A0092B-C50C-407E-A947-70E740481C1C}">
+                <a14:useLocalDpi xmlns:a14="http://schemas.microsoft.com/office/drawing/2010/main" val="0"/>
+              </a:ext>
+            </a:extLst>
+          </a:blip>
+          <a:stretch>
+            <a:fillRect/>
+          </a:stretch>
+        </p:blipFill>
+        <p:spPr>
+          <a:xfrm>
+            <a:off x="1030310" y="1926013"/>
+            <a:ext cx="4440876" cy="3458452"/>
+          </a:xfrm>
+          <a:prstGeom prst="rect">
+            <a:avLst/>
+          </a:prstGeom>
+        </p:spPr>
+      </p:pic>
+      <p:pic>
+        <p:nvPicPr>
+          <p:cNvPr id="4" name="Picture 3"/>
+          <p:cNvPicPr>
+            <a:picLocks noChangeAspect="1"/>
+          </p:cNvPicPr>
+          <p:nvPr/>
+        </p:nvPicPr>
+        <p:blipFill>
+          <a:blip r:embed="rId4">
+            <a:extLst>
+              <a:ext uri="{28A0092B-C50C-407E-A947-70E740481C1C}">
+                <a14:useLocalDpi xmlns:a14="http://schemas.microsoft.com/office/drawing/2010/main" val="0"/>
+              </a:ext>
+            </a:extLst>
+          </a:blip>
+          <a:stretch>
+            <a:fillRect/>
+          </a:stretch>
+        </p:blipFill>
+        <p:spPr>
+          <a:xfrm>
+            <a:off x="7083380" y="1926013"/>
+            <a:ext cx="4462530" cy="3489618"/>
+          </a:xfrm>
+          <a:prstGeom prst="rect">
+            <a:avLst/>
+          </a:prstGeom>
+        </p:spPr>
+      </p:pic>
+    </p:spTree>
+    <p:extLst>
+      <p:ext uri="{BB962C8B-B14F-4D97-AF65-F5344CB8AC3E}">
+        <p14:creationId xmlns:p14="http://schemas.microsoft.com/office/powerpoint/2010/main" val="1002363974"/>
+      </p:ext>
+    </p:extLst>
+  </p:cSld>
+  <p:clrMapOvr>
+    <a:masterClrMapping/>
+  </p:clrMapOvr>
+</p:sld>
+</file>
+
+<file path=ppt/slides/slide8.xml><?xml version="1.0" encoding="utf-8"?>
+<p:sld xmlns:a="http://schemas.openxmlformats.org/drawingml/2006/main" xmlns:r="http://schemas.openxmlformats.org/officeDocument/2006/relationships" xmlns:p="http://schemas.openxmlformats.org/presentationml/2006/main">
+  <p:cSld>
+    <p:bg>
+      <p:bgPr>
+        <a:blipFill dpi="0" rotWithShape="1">
+          <a:blip r:embed="rId2">
+            <a:lum/>
+          </a:blip>
+          <a:srcRect/>
+          <a:stretch>
+            <a:fillRect t="-17000" b="-17000"/>
+          </a:stretch>
+        </a:blipFill>
+        <a:effectLst/>
+      </p:bgPr>
+    </p:bg>
+    <p:spTree>
+      <p:nvGrpSpPr>
+        <p:cNvPr id="1" name=""/>
+        <p:cNvGrpSpPr/>
+        <p:nvPr/>
+      </p:nvGrpSpPr>
+      <p:grpSpPr>
+        <a:xfrm>
+          <a:off x="0" y="0"/>
+          <a:ext cx="0" cy="0"/>
+          <a:chOff x="0" y="0"/>
+          <a:chExt cx="0" cy="0"/>
+        </a:xfrm>
+      </p:grpSpPr>
+      <p:sp>
+        <p:nvSpPr>
+          <p:cNvPr id="3" name="Content Placeholder 2"/>
+          <p:cNvSpPr>
+            <a:spLocks noGrp="1"/>
+          </p:cNvSpPr>
+          <p:nvPr>
+            <p:ph idx="1"/>
+          </p:nvPr>
+        </p:nvSpPr>
+        <p:spPr>
+          <a:xfrm>
+            <a:off x="791308" y="1344979"/>
+            <a:ext cx="10515600" cy="4351338"/>
+          </a:xfrm>
+        </p:spPr>
+        <p:txBody>
+          <a:bodyPr/>
+          <a:lstStyle/>
+          <a:p>
+            <a:pPr marL="0" indent="0" algn="ctr">
+              <a:buNone/>
+            </a:pPr>
+            <a:r>
+              <a:rPr lang="en-US" dirty="0">
+                <a:latin typeface="Baskerville Old Face" panose="02020602080505020303" pitchFamily="18" charset="0"/>
+              </a:rPr>
+              <a:t>Screenshot </a:t>
+            </a:r>
+            <a:r>
+              <a:rPr lang="en-US" dirty="0" err="1">
+                <a:latin typeface="Baskerville Old Face" panose="02020602080505020303" pitchFamily="18" charset="0"/>
+              </a:rPr>
+              <a:t>hasil</a:t>
+            </a:r>
+            <a:endParaRPr lang="id-ID" dirty="0">
+              <a:latin typeface="Baskerville Old Face" panose="02020602080505020303" pitchFamily="18" charset="0"/>
+            </a:endParaRPr>
+          </a:p>
+        </p:txBody>
+      </p:sp>
+      <p:pic>
+        <p:nvPicPr>
+          <p:cNvPr id="2" name="Picture 1"/>
+          <p:cNvPicPr>
+            <a:picLocks noChangeAspect="1"/>
+          </p:cNvPicPr>
+          <p:nvPr/>
+        </p:nvPicPr>
+        <p:blipFill>
+          <a:blip r:embed="rId3">
+            <a:extLst>
+              <a:ext uri="{28A0092B-C50C-407E-A947-70E740481C1C}">
+                <a14:useLocalDpi xmlns:a14="http://schemas.microsoft.com/office/drawing/2010/main" val="0"/>
+              </a:ext>
+            </a:extLst>
+          </a:blip>
+          <a:stretch>
+            <a:fillRect/>
+          </a:stretch>
+        </p:blipFill>
+        <p:spPr>
+          <a:xfrm>
+            <a:off x="1030310" y="1926013"/>
+            <a:ext cx="4440876" cy="3458452"/>
+          </a:xfrm>
+          <a:prstGeom prst="rect">
+            <a:avLst/>
+          </a:prstGeom>
+        </p:spPr>
+      </p:pic>
+      <p:pic>
+        <p:nvPicPr>
+          <p:cNvPr id="4" name="Picture 3"/>
+          <p:cNvPicPr>
+            <a:picLocks noChangeAspect="1"/>
+          </p:cNvPicPr>
+          <p:nvPr/>
+        </p:nvPicPr>
+        <p:blipFill>
+          <a:blip r:embed="rId4">
+            <a:extLst>
+              <a:ext uri="{28A0092B-C50C-407E-A947-70E740481C1C}">
+                <a14:useLocalDpi xmlns:a14="http://schemas.microsoft.com/office/drawing/2010/main" val="0"/>
+              </a:ext>
+            </a:extLst>
+          </a:blip>
+          <a:stretch>
+            <a:fillRect/>
+          </a:stretch>
+        </p:blipFill>
+        <p:spPr>
+          <a:xfrm>
+            <a:off x="7083380" y="1926013"/>
+            <a:ext cx="4462530" cy="3489618"/>
+          </a:xfrm>
+          <a:prstGeom prst="rect">
+            <a:avLst/>
+          </a:prstGeom>
+        </p:spPr>
+      </p:pic>
+      <p:pic>
+        <p:nvPicPr>
+          <p:cNvPr id="5" name="Picture 4"/>
+          <p:cNvPicPr>
+            <a:picLocks noChangeAspect="1"/>
+          </p:cNvPicPr>
+          <p:nvPr/>
+        </p:nvPicPr>
+        <p:blipFill>
+          <a:blip r:embed="rId5">
+            <a:extLst>
+              <a:ext uri="{28A0092B-C50C-407E-A947-70E740481C1C}">
+                <a14:useLocalDpi xmlns:a14="http://schemas.microsoft.com/office/drawing/2010/main" val="0"/>
+              </a:ext>
+            </a:extLst>
+          </a:blip>
+          <a:stretch>
+            <a:fillRect/>
+          </a:stretch>
+        </p:blipFill>
+        <p:spPr>
+          <a:xfrm>
+            <a:off x="1030309" y="1926013"/>
+            <a:ext cx="4430644" cy="3458452"/>
+          </a:xfrm>
+          <a:prstGeom prst="rect">
+            <a:avLst/>
+          </a:prstGeom>
+        </p:spPr>
+      </p:pic>
+      <p:pic>
+        <p:nvPicPr>
+          <p:cNvPr id="6" name="Picture 5"/>
+          <p:cNvPicPr>
+            <a:picLocks noChangeAspect="1"/>
+          </p:cNvPicPr>
+          <p:nvPr/>
+        </p:nvPicPr>
+        <p:blipFill>
+          <a:blip r:embed="rId6">
+            <a:extLst>
+              <a:ext uri="{28A0092B-C50C-407E-A947-70E740481C1C}">
+                <a14:useLocalDpi xmlns:a14="http://schemas.microsoft.com/office/drawing/2010/main" val="0"/>
+              </a:ext>
+            </a:extLst>
+          </a:blip>
+          <a:stretch>
+            <a:fillRect/>
+          </a:stretch>
+        </p:blipFill>
+        <p:spPr>
+          <a:xfrm>
+            <a:off x="7083380" y="1926014"/>
+            <a:ext cx="4462529" cy="3502238"/>
+          </a:xfrm>
+          <a:prstGeom prst="rect">
+            <a:avLst/>
+          </a:prstGeom>
+        </p:spPr>
+      </p:pic>
+    </p:spTree>
+    <p:extLst>
+      <p:ext uri="{BB962C8B-B14F-4D97-AF65-F5344CB8AC3E}">
+        <p14:creationId xmlns:p14="http://schemas.microsoft.com/office/powerpoint/2010/main" val="4204878144"/>
+      </p:ext>
+    </p:extLst>
+  </p:cSld>
+  <p:clrMapOvr>
+    <a:masterClrMapping/>
+  </p:clrMapOvr>
+</p:sld>
+</file>
+
+<file path=ppt/slides/slide9.xml><?xml version="1.0" encoding="utf-8"?>
+<p:sld xmlns:a="http://schemas.openxmlformats.org/drawingml/2006/main" xmlns:r="http://schemas.openxmlformats.org/officeDocument/2006/relationships" xmlns:p="http://schemas.openxmlformats.org/presentationml/2006/main">
+  <p:cSld>
+    <p:bg>
+      <p:bgPr>
+        <a:blipFill dpi="0" rotWithShape="1">
+          <a:blip r:embed="rId2">
+            <a:lum/>
+          </a:blip>
+          <a:srcRect/>
+          <a:stretch>
+            <a:fillRect t="-17000" b="-17000"/>
+          </a:stretch>
+        </a:blipFill>
+        <a:effectLst/>
+      </p:bgPr>
+    </p:bg>
+    <p:spTree>
+      <p:nvGrpSpPr>
+        <p:cNvPr id="1" name=""/>
+        <p:cNvGrpSpPr/>
+        <p:nvPr/>
+      </p:nvGrpSpPr>
+      <p:grpSpPr>
+        <a:xfrm>
+          <a:off x="0" y="0"/>
+          <a:ext cx="0" cy="0"/>
+          <a:chOff x="0" y="0"/>
+          <a:chExt cx="0" cy="0"/>
+        </a:xfrm>
+      </p:grpSpPr>
+      <p:sp>
+        <p:nvSpPr>
+          <p:cNvPr id="3" name="Content Placeholder 2"/>
+          <p:cNvSpPr>
+            <a:spLocks noGrp="1"/>
+          </p:cNvSpPr>
+          <p:nvPr>
+            <p:ph idx="1"/>
+          </p:nvPr>
+        </p:nvSpPr>
+        <p:spPr>
+          <a:xfrm>
+            <a:off x="791308" y="1344979"/>
+            <a:ext cx="10515600" cy="4351338"/>
+          </a:xfrm>
+        </p:spPr>
+        <p:txBody>
+          <a:bodyPr/>
+          <a:lstStyle/>
+          <a:p>
+            <a:pPr marL="0" indent="0" algn="ctr">
+              <a:buNone/>
+            </a:pPr>
+            <a:r>
+              <a:rPr lang="en-US" dirty="0">
+                <a:latin typeface="Baskerville Old Face" panose="02020602080505020303" pitchFamily="18" charset="0"/>
+              </a:rPr>
+              <a:t>Screenshot </a:t>
+            </a:r>
+            <a:r>
+              <a:rPr lang="en-US" dirty="0" err="1">
+                <a:latin typeface="Baskerville Old Face" panose="02020602080505020303" pitchFamily="18" charset="0"/>
+              </a:rPr>
+              <a:t>hasil</a:t>
+            </a:r>
+            <a:endParaRPr lang="id-ID" dirty="0">
+              <a:latin typeface="Baskerville Old Face" panose="02020602080505020303" pitchFamily="18" charset="0"/>
+            </a:endParaRPr>
+          </a:p>
+        </p:txBody>
+      </p:sp>
+      <p:pic>
+        <p:nvPicPr>
+          <p:cNvPr id="7" name="Picture 6"/>
+          <p:cNvPicPr>
+            <a:picLocks noChangeAspect="1"/>
+          </p:cNvPicPr>
+          <p:nvPr/>
+        </p:nvPicPr>
+        <p:blipFill>
+          <a:blip r:embed="rId3">
+            <a:extLst>
+              <a:ext uri="{28A0092B-C50C-407E-A947-70E740481C1C}">
+                <a14:useLocalDpi xmlns:a14="http://schemas.microsoft.com/office/drawing/2010/main" val="0"/>
+              </a:ext>
+            </a:extLst>
+          </a:blip>
+          <a:stretch>
+            <a:fillRect/>
+          </a:stretch>
+        </p:blipFill>
+        <p:spPr>
+          <a:xfrm>
+            <a:off x="2754623" y="1859849"/>
+            <a:ext cx="7007564" cy="3689697"/>
+          </a:xfrm>
+          <a:prstGeom prst="rect">
+            <a:avLst/>
+          </a:prstGeom>
+        </p:spPr>
+      </p:pic>
+    </p:spTree>
+    <p:extLst>
+      <p:ext uri="{BB962C8B-B14F-4D97-AF65-F5344CB8AC3E}">
+        <p14:creationId xmlns:p14="http://schemas.microsoft.com/office/powerpoint/2010/main" val="4096516393"/>
       </p:ext>
     </p:extLst>
   </p:cSld>
